--- a/OS-Neutron-Utilities-Support.pptx
+++ b/OS-Neutron-Utilities-Support.pptx
@@ -2,7 +2,7 @@
 <file path=ppt/presentation.xml><?xml version="1.0" encoding="utf-8"?>
 <p:presentation xmlns:a="http://schemas.openxmlformats.org/drawingml/2006/main" xmlns:r="http://schemas.openxmlformats.org/officeDocument/2006/relationships" xmlns:p="http://schemas.openxmlformats.org/presentationml/2006/main" saveSubsetFonts="1">
   <p:sldMasterIdLst>
-    <p:sldMasterId id="2147483648" r:id="rId1"/>
+    <p:sldMasterId id="2147483660" r:id="rId1"/>
   </p:sldMasterIdLst>
   <p:notesMasterIdLst>
     <p:notesMasterId r:id="rId70"/>
@@ -174,6 +174,22 @@
       </a:defRPr>
     </a:lvl9pPr>
   </p:defaultTextStyle>
+  <p:extLst>
+    <p:ext uri="{EFAFB233-063F-42B5-8137-9DF3F51BA10A}">
+      <p15:sldGuideLst xmlns:p15="http://schemas.microsoft.com/office/powerpoint/2012/main">
+        <p15:guide id="1" orient="horz" pos="2160">
+          <p15:clr>
+            <a:srgbClr val="A4A3A4"/>
+          </p15:clr>
+        </p15:guide>
+        <p15:guide id="2" pos="2880">
+          <p15:clr>
+            <a:srgbClr val="A4A3A4"/>
+          </p15:clr>
+        </p15:guide>
+      </p15:sldGuideLst>
+    </p:ext>
+  </p:extLst>
 </p:presentation>
 </file>
 
@@ -259,7 +275,7 @@
           <a:p>
             <a:fld id="{5417CE2E-C7C9-464F-83E0-12EE2A227BF4}" type="datetimeFigureOut">
               <a:rPr lang="en-US" smtClean="0"/>
-              <a:t>8/7/2015</a:t>
+              <a:t>8/7/15</a:t>
             </a:fld>
             <a:endParaRPr lang="en-US"/>
           </a:p>
@@ -2365,19 +2381,25 @@
         </p:nvSpPr>
         <p:spPr>
           <a:xfrm>
-            <a:off x="685800" y="2130425"/>
+            <a:off x="685800" y="2130427"/>
             <a:ext cx="7772400" cy="1470025"/>
           </a:xfrm>
         </p:spPr>
         <p:txBody>
-          <a:bodyPr/>
-          <a:lstStyle/>
+          <a:bodyPr>
+            <a:normAutofit/>
+          </a:bodyPr>
+          <a:lstStyle>
+            <a:lvl1pPr algn="ctr">
+              <a:defRPr sz="3000"/>
+            </a:lvl1pPr>
+          </a:lstStyle>
           <a:p>
             <a:r>
               <a:rPr lang="en-US" smtClean="0"/>
               <a:t>Click to edit Master title style</a:t>
             </a:r>
-            <a:endParaRPr lang="en-US"/>
+            <a:endParaRPr lang="en-IN" dirty="0"/>
           </a:p>
         </p:txBody>
       </p:sp>
@@ -2410,7 +2432,7 @@
                 </a:solidFill>
               </a:defRPr>
             </a:lvl1pPr>
-            <a:lvl2pPr marL="457200" indent="0" algn="ctr">
+            <a:lvl2pPr marL="380985" indent="0" algn="ctr">
               <a:buNone/>
               <a:defRPr>
                 <a:solidFill>
@@ -2420,7 +2442,7 @@
                 </a:solidFill>
               </a:defRPr>
             </a:lvl2pPr>
-            <a:lvl3pPr marL="914400" indent="0" algn="ctr">
+            <a:lvl3pPr marL="761970" indent="0" algn="ctr">
               <a:buNone/>
               <a:defRPr>
                 <a:solidFill>
@@ -2430,7 +2452,7 @@
                 </a:solidFill>
               </a:defRPr>
             </a:lvl3pPr>
-            <a:lvl4pPr marL="1371600" indent="0" algn="ctr">
+            <a:lvl4pPr marL="1142954" indent="0" algn="ctr">
               <a:buNone/>
               <a:defRPr>
                 <a:solidFill>
@@ -2440,7 +2462,7 @@
                 </a:solidFill>
               </a:defRPr>
             </a:lvl4pPr>
-            <a:lvl5pPr marL="1828800" indent="0" algn="ctr">
+            <a:lvl5pPr marL="1523939" indent="0" algn="ctr">
               <a:buNone/>
               <a:defRPr>
                 <a:solidFill>
@@ -2450,7 +2472,7 @@
                 </a:solidFill>
               </a:defRPr>
             </a:lvl5pPr>
-            <a:lvl6pPr marL="2286000" indent="0" algn="ctr">
+            <a:lvl6pPr marL="1904924" indent="0" algn="ctr">
               <a:buNone/>
               <a:defRPr>
                 <a:solidFill>
@@ -2460,7 +2482,7 @@
                 </a:solidFill>
               </a:defRPr>
             </a:lvl6pPr>
-            <a:lvl7pPr marL="2743200" indent="0" algn="ctr">
+            <a:lvl7pPr marL="2285909" indent="0" algn="ctr">
               <a:buNone/>
               <a:defRPr>
                 <a:solidFill>
@@ -2470,7 +2492,7 @@
                 </a:solidFill>
               </a:defRPr>
             </a:lvl7pPr>
-            <a:lvl8pPr marL="3200400" indent="0" algn="ctr">
+            <a:lvl8pPr marL="2666893" indent="0" algn="ctr">
               <a:buNone/>
               <a:defRPr>
                 <a:solidFill>
@@ -2480,7 +2502,7 @@
                 </a:solidFill>
               </a:defRPr>
             </a:lvl8pPr>
-            <a:lvl9pPr marL="3657600" indent="0" algn="ctr">
+            <a:lvl9pPr marL="3047878" indent="0" algn="ctr">
               <a:buNone/>
               <a:defRPr>
                 <a:solidFill>
@@ -2496,7 +2518,7 @@
               <a:rPr lang="en-US" smtClean="0"/>
               <a:t>Click to edit Master subtitle style</a:t>
             </a:r>
-            <a:endParaRPr lang="en-US"/>
+            <a:endParaRPr lang="en-IN"/>
           </a:p>
         </p:txBody>
       </p:sp>
@@ -2518,7 +2540,7 @@
             <a:fld id="{1D8BD707-D9CF-40AE-B4C6-C98DA3205C09}" type="datetimeFigureOut">
               <a:rPr lang="en-US" smtClean="0"/>
               <a:pPr/>
-              <a:t>8/7/2015</a:t>
+              <a:t>8/7/15</a:t>
             </a:fld>
             <a:endParaRPr lang="en-US"/>
           </a:p>
@@ -2567,7 +2589,78 @@
           </a:p>
         </p:txBody>
       </p:sp>
+      <p:sp>
+        <p:nvSpPr>
+          <p:cNvPr id="7" name="Rectangle 6"/>
+          <p:cNvSpPr/>
+          <p:nvPr/>
+        </p:nvSpPr>
+        <p:spPr>
+          <a:xfrm>
+            <a:off x="9036498" y="0"/>
+            <a:ext cx="107503" cy="6858000"/>
+          </a:xfrm>
+          <a:prstGeom prst="rect">
+            <a:avLst/>
+          </a:prstGeom>
+          <a:gradFill>
+            <a:gsLst>
+              <a:gs pos="0">
+                <a:schemeClr val="accent6">
+                  <a:lumMod val="75000"/>
+                </a:schemeClr>
+              </a:gs>
+              <a:gs pos="50000">
+                <a:schemeClr val="accent6">
+                  <a:lumMod val="60000"/>
+                  <a:lumOff val="40000"/>
+                </a:schemeClr>
+              </a:gs>
+              <a:gs pos="100000">
+                <a:schemeClr val="accent6">
+                  <a:lumMod val="40000"/>
+                  <a:lumOff val="60000"/>
+                  <a:alpha val="69000"/>
+                </a:schemeClr>
+              </a:gs>
+            </a:gsLst>
+            <a:lin ang="5400000" scaled="0"/>
+          </a:gradFill>
+          <a:ln>
+            <a:noFill/>
+          </a:ln>
+        </p:spPr>
+        <p:style>
+          <a:lnRef idx="2">
+            <a:schemeClr val="accent1">
+              <a:shade val="50000"/>
+            </a:schemeClr>
+          </a:lnRef>
+          <a:fillRef idx="1">
+            <a:schemeClr val="accent1"/>
+          </a:fillRef>
+          <a:effectRef idx="0">
+            <a:schemeClr val="accent1"/>
+          </a:effectRef>
+          <a:fontRef idx="minor">
+            <a:schemeClr val="lt1"/>
+          </a:fontRef>
+        </p:style>
+        <p:txBody>
+          <a:bodyPr rtlCol="0" anchor="ctr"/>
+          <a:lstStyle/>
+          <a:p>
+            <a:pPr algn="ctr"/>
+            <a:endParaRPr lang="en-IN" sz="1167"/>
+          </a:p>
+        </p:txBody>
+      </p:sp>
     </p:spTree>
+    <p:extLst>
+      <p:ext uri="{BB962C8B-B14F-4D97-AF65-F5344CB8AC3E}">
+        <p14:creationId xmlns:p14="http://schemas.microsoft.com/office/powerpoint/2010/main" val="1584710873"/>
+      </p:ext>
+    </p:extLst>
   </p:cSld>
   <p:clrMapOvr>
     <a:masterClrMapping/>
@@ -2611,7 +2704,7 @@
               <a:rPr lang="en-US" smtClean="0"/>
               <a:t>Click to edit Master title style</a:t>
             </a:r>
-            <a:endParaRPr lang="en-US"/>
+            <a:endParaRPr lang="en-IN"/>
           </a:p>
         </p:txBody>
       </p:sp>
@@ -2663,7 +2756,7 @@
               <a:rPr lang="en-US" smtClean="0"/>
               <a:t>Fifth level</a:t>
             </a:r>
-            <a:endParaRPr lang="en-US"/>
+            <a:endParaRPr lang="en-IN"/>
           </a:p>
         </p:txBody>
       </p:sp>
@@ -2685,7 +2778,7 @@
             <a:fld id="{1D8BD707-D9CF-40AE-B4C6-C98DA3205C09}" type="datetimeFigureOut">
               <a:rPr lang="en-US" smtClean="0"/>
               <a:pPr/>
-              <a:t>8/7/2015</a:t>
+              <a:t>8/7/15</a:t>
             </a:fld>
             <a:endParaRPr lang="en-US"/>
           </a:p>
@@ -2735,6 +2828,11 @@
         </p:txBody>
       </p:sp>
     </p:spTree>
+    <p:extLst>
+      <p:ext uri="{BB962C8B-B14F-4D97-AF65-F5344CB8AC3E}">
+        <p14:creationId xmlns:p14="http://schemas.microsoft.com/office/powerpoint/2010/main" val="1152645729"/>
+      </p:ext>
+    </p:extLst>
   </p:cSld>
   <p:clrMapOvr>
     <a:masterClrMapping/>
@@ -2771,7 +2869,7 @@
         </p:nvSpPr>
         <p:spPr>
           <a:xfrm>
-            <a:off x="6629400" y="274638"/>
+            <a:off x="6629400" y="274640"/>
             <a:ext cx="2057400" cy="5851525"/>
           </a:xfrm>
         </p:spPr>
@@ -2783,7 +2881,7 @@
               <a:rPr lang="en-US" smtClean="0"/>
               <a:t>Click to edit Master title style</a:t>
             </a:r>
-            <a:endParaRPr lang="en-US"/>
+            <a:endParaRPr lang="en-IN"/>
           </a:p>
         </p:txBody>
       </p:sp>
@@ -2799,7 +2897,7 @@
         </p:nvSpPr>
         <p:spPr>
           <a:xfrm>
-            <a:off x="457200" y="274638"/>
+            <a:off x="457200" y="274640"/>
             <a:ext cx="6019800" cy="5851525"/>
           </a:xfrm>
         </p:spPr>
@@ -2840,7 +2938,7 @@
               <a:rPr lang="en-US" smtClean="0"/>
               <a:t>Fifth level</a:t>
             </a:r>
-            <a:endParaRPr lang="en-US"/>
+            <a:endParaRPr lang="en-IN"/>
           </a:p>
         </p:txBody>
       </p:sp>
@@ -2862,7 +2960,7 @@
             <a:fld id="{1D8BD707-D9CF-40AE-B4C6-C98DA3205C09}" type="datetimeFigureOut">
               <a:rPr lang="en-US" smtClean="0"/>
               <a:pPr/>
-              <a:t>8/7/2015</a:t>
+              <a:t>8/7/15</a:t>
             </a:fld>
             <a:endParaRPr lang="en-US"/>
           </a:p>
@@ -2912,6 +3010,398 @@
         </p:txBody>
       </p:sp>
     </p:spTree>
+    <p:extLst>
+      <p:ext uri="{BB962C8B-B14F-4D97-AF65-F5344CB8AC3E}">
+        <p14:creationId xmlns:p14="http://schemas.microsoft.com/office/powerpoint/2010/main" val="470591100"/>
+      </p:ext>
+    </p:extLst>
+  </p:cSld>
+  <p:clrMapOvr>
+    <a:masterClrMapping/>
+  </p:clrMapOvr>
+</p:sldLayout>
+</file>
+
+<file path=ppt/slideLayouts/slideLayout12.xml><?xml version="1.0" encoding="utf-8"?>
+<p:sldLayout xmlns:a="http://schemas.openxmlformats.org/drawingml/2006/main" xmlns:r="http://schemas.openxmlformats.org/officeDocument/2006/relationships" xmlns:p="http://schemas.openxmlformats.org/presentationml/2006/main" type="tx">
+  <p:cSld name="Title and Body">
+    <p:spTree>
+      <p:nvGrpSpPr>
+        <p:cNvPr id="1" name="Shape 12"/>
+        <p:cNvGrpSpPr/>
+        <p:nvPr/>
+      </p:nvGrpSpPr>
+      <p:grpSpPr>
+        <a:xfrm>
+          <a:off x="0" y="0"/>
+          <a:ext cx="0" cy="0"/>
+          <a:chOff x="0" y="0"/>
+          <a:chExt cx="0" cy="0"/>
+        </a:xfrm>
+      </p:grpSpPr>
+      <p:sp>
+        <p:nvSpPr>
+          <p:cNvPr id="13" name="Shape 13"/>
+          <p:cNvSpPr txBox="1">
+            <a:spLocks noGrp="1"/>
+          </p:cNvSpPr>
+          <p:nvPr>
+            <p:ph type="title"/>
+          </p:nvPr>
+        </p:nvSpPr>
+        <p:spPr>
+          <a:xfrm>
+            <a:off x="72701" y="274636"/>
+            <a:ext cx="8951100" cy="668159"/>
+          </a:xfrm>
+          <a:prstGeom prst="rect">
+            <a:avLst/>
+          </a:prstGeom>
+        </p:spPr>
+        <p:txBody>
+          <a:bodyPr lIns="91425" tIns="91425" rIns="91425" bIns="91425" anchor="b" anchorCtr="0"/>
+          <a:lstStyle>
+            <a:lvl1pPr>
+              <a:spcBef>
+                <a:spcPts val="0"/>
+              </a:spcBef>
+              <a:buSzPct val="100000"/>
+              <a:defRPr sz="2400"/>
+            </a:lvl1pPr>
+            <a:lvl2pPr>
+              <a:spcBef>
+                <a:spcPts val="0"/>
+              </a:spcBef>
+              <a:defRPr/>
+            </a:lvl2pPr>
+            <a:lvl3pPr>
+              <a:spcBef>
+                <a:spcPts val="0"/>
+              </a:spcBef>
+              <a:defRPr/>
+            </a:lvl3pPr>
+            <a:lvl4pPr>
+              <a:spcBef>
+                <a:spcPts val="0"/>
+              </a:spcBef>
+              <a:defRPr/>
+            </a:lvl4pPr>
+            <a:lvl5pPr>
+              <a:spcBef>
+                <a:spcPts val="0"/>
+              </a:spcBef>
+              <a:defRPr/>
+            </a:lvl5pPr>
+            <a:lvl6pPr>
+              <a:spcBef>
+                <a:spcPts val="0"/>
+              </a:spcBef>
+              <a:defRPr/>
+            </a:lvl6pPr>
+            <a:lvl7pPr>
+              <a:spcBef>
+                <a:spcPts val="0"/>
+              </a:spcBef>
+              <a:defRPr/>
+            </a:lvl7pPr>
+            <a:lvl8pPr>
+              <a:spcBef>
+                <a:spcPts val="0"/>
+              </a:spcBef>
+              <a:defRPr/>
+            </a:lvl8pPr>
+            <a:lvl9pPr>
+              <a:spcBef>
+                <a:spcPts val="0"/>
+              </a:spcBef>
+              <a:defRPr/>
+            </a:lvl9pPr>
+          </a:lstStyle>
+          <a:p>
+            <a:r>
+              <a:rPr lang="en-US" smtClean="0"/>
+              <a:t>Click to edit Master title style</a:t>
+            </a:r>
+            <a:endParaRPr/>
+          </a:p>
+        </p:txBody>
+      </p:sp>
+      <p:sp>
+        <p:nvSpPr>
+          <p:cNvPr id="14" name="Shape 14"/>
+          <p:cNvSpPr txBox="1">
+            <a:spLocks noGrp="1"/>
+          </p:cNvSpPr>
+          <p:nvPr>
+            <p:ph type="body" idx="1"/>
+          </p:nvPr>
+        </p:nvSpPr>
+        <p:spPr>
+          <a:xfrm>
+            <a:off x="72701" y="942632"/>
+            <a:ext cx="8951100" cy="5625360"/>
+          </a:xfrm>
+          <a:prstGeom prst="rect">
+            <a:avLst/>
+          </a:prstGeom>
+        </p:spPr>
+        <p:txBody>
+          <a:bodyPr lIns="91425" tIns="91425" rIns="91425" bIns="91425" anchor="t" anchorCtr="0"/>
+          <a:lstStyle>
+            <a:lvl1pPr>
+              <a:spcBef>
+                <a:spcPts val="0"/>
+              </a:spcBef>
+              <a:buSzPct val="100000"/>
+              <a:defRPr sz="2000"/>
+            </a:lvl1pPr>
+            <a:lvl2pPr>
+              <a:spcBef>
+                <a:spcPts val="0"/>
+              </a:spcBef>
+              <a:buSzPct val="100000"/>
+              <a:defRPr sz="1800"/>
+            </a:lvl2pPr>
+            <a:lvl3pPr>
+              <a:spcBef>
+                <a:spcPts val="0"/>
+              </a:spcBef>
+              <a:buSzPct val="100000"/>
+              <a:defRPr sz="1600"/>
+            </a:lvl3pPr>
+            <a:lvl4pPr>
+              <a:spcBef>
+                <a:spcPts val="0"/>
+              </a:spcBef>
+              <a:buSzPct val="100000"/>
+              <a:defRPr sz="1400"/>
+            </a:lvl4pPr>
+            <a:lvl5pPr>
+              <a:spcBef>
+                <a:spcPts val="0"/>
+              </a:spcBef>
+              <a:buSzPct val="100000"/>
+              <a:defRPr sz="1200"/>
+            </a:lvl5pPr>
+            <a:lvl6pPr>
+              <a:spcBef>
+                <a:spcPts val="0"/>
+              </a:spcBef>
+              <a:buSzPct val="100000"/>
+              <a:defRPr sz="1000"/>
+            </a:lvl6pPr>
+            <a:lvl7pPr>
+              <a:spcBef>
+                <a:spcPts val="0"/>
+              </a:spcBef>
+              <a:buSzPct val="100000"/>
+              <a:defRPr sz="1000"/>
+            </a:lvl7pPr>
+            <a:lvl8pPr>
+              <a:spcBef>
+                <a:spcPts val="0"/>
+              </a:spcBef>
+              <a:buSzPct val="100000"/>
+              <a:defRPr sz="1000"/>
+            </a:lvl8pPr>
+            <a:lvl9pPr>
+              <a:spcBef>
+                <a:spcPts val="0"/>
+              </a:spcBef>
+              <a:buSzPct val="100000"/>
+              <a:defRPr sz="800"/>
+            </a:lvl9pPr>
+          </a:lstStyle>
+          <a:p>
+            <a:pPr lvl="0"/>
+            <a:r>
+              <a:rPr lang="en-US" smtClean="0"/>
+              <a:t>Click to edit Master text styles</a:t>
+            </a:r>
+          </a:p>
+        </p:txBody>
+      </p:sp>
+      <p:sp>
+        <p:nvSpPr>
+          <p:cNvPr id="15" name="Shape 15"/>
+          <p:cNvSpPr txBox="1">
+            <a:spLocks noGrp="1"/>
+          </p:cNvSpPr>
+          <p:nvPr>
+            <p:ph type="sldNum" idx="12"/>
+          </p:nvPr>
+        </p:nvSpPr>
+        <p:spPr>
+          <a:xfrm>
+            <a:off x="8556793" y="6333137"/>
+            <a:ext cx="548699" cy="524519"/>
+          </a:xfrm>
+          <a:prstGeom prst="rect">
+            <a:avLst/>
+          </a:prstGeom>
+        </p:spPr>
+        <p:txBody>
+          <a:bodyPr lIns="91425" tIns="91425" rIns="91425" bIns="91425" anchor="ctr" anchorCtr="0">
+            <a:noAutofit/>
+          </a:bodyPr>
+          <a:lstStyle>
+            <a:lvl1pPr>
+              <a:spcBef>
+                <a:spcPts val="0"/>
+              </a:spcBef>
+              <a:buNone/>
+              <a:defRPr/>
+            </a:lvl1pPr>
+          </a:lstStyle>
+          <a:p>
+            <a:fld id="{B6F15528-21DE-4FAA-801E-634DDDAF4B2B}" type="slidenum">
+              <a:rPr lang="en-US" smtClean="0"/>
+              <a:pPr/>
+              <a:t>‹#›</a:t>
+            </a:fld>
+            <a:endParaRPr lang="en-US"/>
+          </a:p>
+        </p:txBody>
+      </p:sp>
+      <p:sp>
+        <p:nvSpPr>
+          <p:cNvPr id="7" name="Rectangle 6"/>
+          <p:cNvSpPr/>
+          <p:nvPr/>
+        </p:nvSpPr>
+        <p:spPr>
+          <a:xfrm>
+            <a:off x="9036498" y="0"/>
+            <a:ext cx="107503" cy="6858000"/>
+          </a:xfrm>
+          <a:prstGeom prst="rect">
+            <a:avLst/>
+          </a:prstGeom>
+          <a:gradFill>
+            <a:gsLst>
+              <a:gs pos="0">
+                <a:schemeClr val="accent6">
+                  <a:lumMod val="75000"/>
+                </a:schemeClr>
+              </a:gs>
+              <a:gs pos="50000">
+                <a:schemeClr val="accent6">
+                  <a:lumMod val="60000"/>
+                  <a:lumOff val="40000"/>
+                </a:schemeClr>
+              </a:gs>
+              <a:gs pos="100000">
+                <a:schemeClr val="accent6">
+                  <a:lumMod val="40000"/>
+                  <a:lumOff val="60000"/>
+                  <a:alpha val="69000"/>
+                </a:schemeClr>
+              </a:gs>
+            </a:gsLst>
+            <a:lin ang="5400000" scaled="0"/>
+          </a:gradFill>
+          <a:ln>
+            <a:noFill/>
+          </a:ln>
+        </p:spPr>
+        <p:style>
+          <a:lnRef idx="2">
+            <a:schemeClr val="accent1">
+              <a:shade val="50000"/>
+            </a:schemeClr>
+          </a:lnRef>
+          <a:fillRef idx="1">
+            <a:schemeClr val="accent1"/>
+          </a:fillRef>
+          <a:effectRef idx="0">
+            <a:schemeClr val="accent1"/>
+          </a:effectRef>
+          <a:fontRef idx="minor">
+            <a:schemeClr val="lt1"/>
+          </a:fontRef>
+        </p:style>
+        <p:txBody>
+          <a:bodyPr rtlCol="0" anchor="ctr"/>
+          <a:lstStyle/>
+          <a:p>
+            <a:pPr algn="ctr"/>
+            <a:endParaRPr lang="en-IN" sz="1167"/>
+          </a:p>
+        </p:txBody>
+      </p:sp>
+      <p:sp>
+        <p:nvSpPr>
+          <p:cNvPr id="8" name="Rectangle 7"/>
+          <p:cNvSpPr/>
+          <p:nvPr/>
+        </p:nvSpPr>
+        <p:spPr>
+          <a:xfrm rot="10800000" flipV="1">
+            <a:off x="107507" y="881187"/>
+            <a:ext cx="8928991" cy="61780"/>
+          </a:xfrm>
+          <a:prstGeom prst="rect">
+            <a:avLst/>
+          </a:prstGeom>
+          <a:gradFill flip="none" rotWithShape="1">
+            <a:gsLst>
+              <a:gs pos="0">
+                <a:schemeClr val="accent6">
+                  <a:lumMod val="75000"/>
+                </a:schemeClr>
+              </a:gs>
+              <a:gs pos="50000">
+                <a:schemeClr val="accent6">
+                  <a:lumMod val="60000"/>
+                  <a:lumOff val="40000"/>
+                </a:schemeClr>
+              </a:gs>
+              <a:gs pos="100000">
+                <a:schemeClr val="accent6">
+                  <a:lumMod val="40000"/>
+                  <a:lumOff val="60000"/>
+                  <a:alpha val="0"/>
+                </a:schemeClr>
+              </a:gs>
+            </a:gsLst>
+            <a:lin ang="0" scaled="1"/>
+            <a:tileRect/>
+          </a:gradFill>
+          <a:ln>
+            <a:noFill/>
+          </a:ln>
+        </p:spPr>
+        <p:style>
+          <a:lnRef idx="2">
+            <a:schemeClr val="accent1">
+              <a:shade val="50000"/>
+            </a:schemeClr>
+          </a:lnRef>
+          <a:fillRef idx="1">
+            <a:schemeClr val="accent1"/>
+          </a:fillRef>
+          <a:effectRef idx="0">
+            <a:schemeClr val="accent1"/>
+          </a:effectRef>
+          <a:fontRef idx="minor">
+            <a:schemeClr val="lt1"/>
+          </a:fontRef>
+        </p:style>
+        <p:txBody>
+          <a:bodyPr rtlCol="0" anchor="ctr"/>
+          <a:lstStyle/>
+          <a:p>
+            <a:pPr algn="ctr"/>
+            <a:endParaRPr lang="en-IN" sz="1800"/>
+          </a:p>
+        </p:txBody>
+      </p:sp>
+    </p:spTree>
+    <p:extLst>
+      <p:ext uri="{BB962C8B-B14F-4D97-AF65-F5344CB8AC3E}">
+        <p14:creationId xmlns:p14="http://schemas.microsoft.com/office/powerpoint/2010/main" val="1025533459"/>
+      </p:ext>
+    </p:extLst>
   </p:cSld>
   <p:clrMapOvr>
     <a:masterClrMapping/>
@@ -2955,7 +3445,7 @@
               <a:rPr lang="en-US" smtClean="0"/>
               <a:t>Click to edit Master title style</a:t>
             </a:r>
-            <a:endParaRPr lang="en-US"/>
+            <a:endParaRPr lang="en-IN"/>
           </a:p>
         </p:txBody>
       </p:sp>
@@ -2969,7 +3459,12 @@
             <p:ph idx="1"/>
           </p:nvPr>
         </p:nvSpPr>
-        <p:spPr/>
+        <p:spPr>
+          <a:xfrm>
+            <a:off x="107505" y="764704"/>
+            <a:ext cx="8928992" cy="5544616"/>
+          </a:xfrm>
+        </p:spPr>
         <p:txBody>
           <a:bodyPr/>
           <a:lstStyle/>
@@ -3007,7 +3502,7 @@
               <a:rPr lang="en-US" smtClean="0"/>
               <a:t>Fifth level</a:t>
             </a:r>
-            <a:endParaRPr lang="en-US"/>
+            <a:endParaRPr lang="en-IN" dirty="0"/>
           </a:p>
         </p:txBody>
       </p:sp>
@@ -3021,7 +3516,12 @@
             <p:ph type="dt" sz="half" idx="10"/>
           </p:nvPr>
         </p:nvSpPr>
-        <p:spPr/>
+        <p:spPr>
+          <a:xfrm>
+            <a:off x="87200" y="6469087"/>
+            <a:ext cx="2133600" cy="365125"/>
+          </a:xfrm>
+        </p:spPr>
         <p:txBody>
           <a:bodyPr/>
           <a:lstStyle/>
@@ -3029,7 +3529,7 @@
             <a:fld id="{1D8BD707-D9CF-40AE-B4C6-C98DA3205C09}" type="datetimeFigureOut">
               <a:rPr lang="en-US" smtClean="0"/>
               <a:pPr/>
-              <a:t>8/7/2015</a:t>
+              <a:t>8/7/15</a:t>
             </a:fld>
             <a:endParaRPr lang="en-US"/>
           </a:p>
@@ -3045,7 +3545,12 @@
             <p:ph type="ftr" sz="quarter" idx="11"/>
           </p:nvPr>
         </p:nvSpPr>
-        <p:spPr/>
+        <p:spPr>
+          <a:xfrm>
+            <a:off x="3170450" y="6469087"/>
+            <a:ext cx="2895600" cy="365125"/>
+          </a:xfrm>
+        </p:spPr>
         <p:txBody>
           <a:bodyPr/>
           <a:lstStyle/>
@@ -3064,7 +3569,12 @@
             <p:ph type="sldNum" sz="quarter" idx="12"/>
           </p:nvPr>
         </p:nvSpPr>
-        <p:spPr/>
+        <p:spPr>
+          <a:xfrm>
+            <a:off x="6883400" y="6480350"/>
+            <a:ext cx="2133600" cy="365125"/>
+          </a:xfrm>
+        </p:spPr>
         <p:txBody>
           <a:bodyPr/>
           <a:lstStyle/>
@@ -3078,7 +3588,145 @@
           </a:p>
         </p:txBody>
       </p:sp>
+      <p:sp>
+        <p:nvSpPr>
+          <p:cNvPr id="8" name="Rectangle 7"/>
+          <p:cNvSpPr/>
+          <p:nvPr/>
+        </p:nvSpPr>
+        <p:spPr>
+          <a:xfrm>
+            <a:off x="9036498" y="0"/>
+            <a:ext cx="107503" cy="6858000"/>
+          </a:xfrm>
+          <a:prstGeom prst="rect">
+            <a:avLst/>
+          </a:prstGeom>
+          <a:gradFill>
+            <a:gsLst>
+              <a:gs pos="0">
+                <a:schemeClr val="accent6">
+                  <a:lumMod val="75000"/>
+                </a:schemeClr>
+              </a:gs>
+              <a:gs pos="50000">
+                <a:schemeClr val="accent6">
+                  <a:lumMod val="60000"/>
+                  <a:lumOff val="40000"/>
+                </a:schemeClr>
+              </a:gs>
+              <a:gs pos="100000">
+                <a:schemeClr val="accent6">
+                  <a:lumMod val="40000"/>
+                  <a:lumOff val="60000"/>
+                  <a:alpha val="69000"/>
+                </a:schemeClr>
+              </a:gs>
+            </a:gsLst>
+            <a:lin ang="5400000" scaled="0"/>
+          </a:gradFill>
+          <a:ln>
+            <a:noFill/>
+          </a:ln>
+        </p:spPr>
+        <p:style>
+          <a:lnRef idx="2">
+            <a:schemeClr val="accent1">
+              <a:shade val="50000"/>
+            </a:schemeClr>
+          </a:lnRef>
+          <a:fillRef idx="1">
+            <a:schemeClr val="accent1"/>
+          </a:fillRef>
+          <a:effectRef idx="0">
+            <a:schemeClr val="accent1"/>
+          </a:effectRef>
+          <a:fontRef idx="minor">
+            <a:schemeClr val="lt1"/>
+          </a:fontRef>
+        </p:style>
+        <p:txBody>
+          <a:bodyPr rtlCol="0" anchor="ctr"/>
+          <a:lstStyle/>
+          <a:p>
+            <a:pPr algn="ctr"/>
+            <a:endParaRPr lang="en-IN" sz="1167"/>
+          </a:p>
+        </p:txBody>
+      </p:sp>
+      <p:sp>
+        <p:nvSpPr>
+          <p:cNvPr id="9" name="Rectangle 8"/>
+          <p:cNvSpPr/>
+          <p:nvPr/>
+        </p:nvSpPr>
+        <p:spPr>
+          <a:xfrm rot="10800000" flipV="1">
+            <a:off x="107505" y="702924"/>
+            <a:ext cx="8928991" cy="61780"/>
+          </a:xfrm>
+          <a:prstGeom prst="rect">
+            <a:avLst/>
+          </a:prstGeom>
+          <a:gradFill flip="none" rotWithShape="1">
+            <a:gsLst>
+              <a:gs pos="0">
+                <a:schemeClr val="accent6">
+                  <a:lumMod val="75000"/>
+                </a:schemeClr>
+              </a:gs>
+              <a:gs pos="50000">
+                <a:schemeClr val="accent6">
+                  <a:lumMod val="60000"/>
+                  <a:lumOff val="40000"/>
+                </a:schemeClr>
+              </a:gs>
+              <a:gs pos="100000">
+                <a:schemeClr val="accent6">
+                  <a:lumMod val="40000"/>
+                  <a:lumOff val="60000"/>
+                  <a:alpha val="0"/>
+                </a:schemeClr>
+              </a:gs>
+            </a:gsLst>
+            <a:lin ang="0" scaled="1"/>
+            <a:tileRect/>
+          </a:gradFill>
+          <a:ln>
+            <a:noFill/>
+          </a:ln>
+        </p:spPr>
+        <p:style>
+          <a:lnRef idx="2">
+            <a:schemeClr val="accent1">
+              <a:shade val="50000"/>
+            </a:schemeClr>
+          </a:lnRef>
+          <a:fillRef idx="1">
+            <a:schemeClr val="accent1"/>
+          </a:fillRef>
+          <a:effectRef idx="0">
+            <a:schemeClr val="accent1"/>
+          </a:effectRef>
+          <a:fontRef idx="minor">
+            <a:schemeClr val="lt1"/>
+          </a:fontRef>
+        </p:style>
+        <p:txBody>
+          <a:bodyPr rtlCol="0" anchor="ctr"/>
+          <a:lstStyle/>
+          <a:p>
+            <a:pPr algn="ctr"/>
+            <a:endParaRPr lang="en-IN" sz="1800"/>
+          </a:p>
+        </p:txBody>
+      </p:sp>
     </p:spTree>
+    <p:extLst>
+      <p:ext uri="{BB962C8B-B14F-4D97-AF65-F5344CB8AC3E}">
+        <p14:creationId xmlns:p14="http://schemas.microsoft.com/office/powerpoint/2010/main" val="993967637"/>
+      </p:ext>
+    </p:extLst>
   </p:cSld>
   <p:clrMapOvr>
     <a:masterClrMapping/>
@@ -3115,15 +3763,15 @@
         </p:nvSpPr>
         <p:spPr>
           <a:xfrm>
-            <a:off x="722313" y="4406900"/>
-            <a:ext cx="7772400" cy="1362075"/>
+            <a:off x="722313" y="4406902"/>
+            <a:ext cx="7772400" cy="1362076"/>
           </a:xfrm>
         </p:spPr>
         <p:txBody>
           <a:bodyPr anchor="t"/>
           <a:lstStyle>
             <a:lvl1pPr algn="l">
-              <a:defRPr sz="4000" b="1" cap="all"/>
+              <a:defRPr sz="3333" b="1" cap="all"/>
             </a:lvl1pPr>
           </a:lstStyle>
           <a:p>
@@ -3131,7 +3779,7 @@
               <a:rPr lang="en-US" smtClean="0"/>
               <a:t>Click to edit Master title style</a:t>
             </a:r>
-            <a:endParaRPr lang="en-US"/>
+            <a:endParaRPr lang="en-IN"/>
           </a:p>
         </p:txBody>
       </p:sp>
@@ -3156,7 +3804,7 @@
           <a:lstStyle>
             <a:lvl1pPr marL="0" indent="0">
               <a:buNone/>
-              <a:defRPr sz="2000">
+              <a:defRPr sz="1667">
                 <a:solidFill>
                   <a:schemeClr val="tx1">
                     <a:tint val="75000"/>
@@ -3164,9 +3812,9 @@
                 </a:solidFill>
               </a:defRPr>
             </a:lvl1pPr>
-            <a:lvl2pPr marL="457200" indent="0">
+            <a:lvl2pPr marL="380985" indent="0">
               <a:buNone/>
-              <a:defRPr sz="1800">
+              <a:defRPr sz="1500">
                 <a:solidFill>
                   <a:schemeClr val="tx1">
                     <a:tint val="75000"/>
@@ -3174,9 +3822,9 @@
                 </a:solidFill>
               </a:defRPr>
             </a:lvl2pPr>
-            <a:lvl3pPr marL="914400" indent="0">
+            <a:lvl3pPr marL="761970" indent="0">
               <a:buNone/>
-              <a:defRPr sz="1600">
+              <a:defRPr sz="1333">
                 <a:solidFill>
                   <a:schemeClr val="tx1">
                     <a:tint val="75000"/>
@@ -3184,9 +3832,9 @@
                 </a:solidFill>
               </a:defRPr>
             </a:lvl3pPr>
-            <a:lvl4pPr marL="1371600" indent="0">
+            <a:lvl4pPr marL="1142954" indent="0">
               <a:buNone/>
-              <a:defRPr sz="1400">
+              <a:defRPr sz="1167">
                 <a:solidFill>
                   <a:schemeClr val="tx1">
                     <a:tint val="75000"/>
@@ -3194,9 +3842,9 @@
                 </a:solidFill>
               </a:defRPr>
             </a:lvl4pPr>
-            <a:lvl5pPr marL="1828800" indent="0">
+            <a:lvl5pPr marL="1523939" indent="0">
               <a:buNone/>
-              <a:defRPr sz="1400">
+              <a:defRPr sz="1167">
                 <a:solidFill>
                   <a:schemeClr val="tx1">
                     <a:tint val="75000"/>
@@ -3204,9 +3852,9 @@
                 </a:solidFill>
               </a:defRPr>
             </a:lvl5pPr>
-            <a:lvl6pPr marL="2286000" indent="0">
+            <a:lvl6pPr marL="1904924" indent="0">
               <a:buNone/>
-              <a:defRPr sz="1400">
+              <a:defRPr sz="1167">
                 <a:solidFill>
                   <a:schemeClr val="tx1">
                     <a:tint val="75000"/>
@@ -3214,9 +3862,9 @@
                 </a:solidFill>
               </a:defRPr>
             </a:lvl6pPr>
-            <a:lvl7pPr marL="2743200" indent="0">
+            <a:lvl7pPr marL="2285909" indent="0">
               <a:buNone/>
-              <a:defRPr sz="1400">
+              <a:defRPr sz="1167">
                 <a:solidFill>
                   <a:schemeClr val="tx1">
                     <a:tint val="75000"/>
@@ -3224,9 +3872,9 @@
                 </a:solidFill>
               </a:defRPr>
             </a:lvl7pPr>
-            <a:lvl8pPr marL="3200400" indent="0">
+            <a:lvl8pPr marL="2666893" indent="0">
               <a:buNone/>
-              <a:defRPr sz="1400">
+              <a:defRPr sz="1167">
                 <a:solidFill>
                   <a:schemeClr val="tx1">
                     <a:tint val="75000"/>
@@ -3234,9 +3882,9 @@
                 </a:solidFill>
               </a:defRPr>
             </a:lvl8pPr>
-            <a:lvl9pPr marL="3657600" indent="0">
+            <a:lvl9pPr marL="3047878" indent="0">
               <a:buNone/>
-              <a:defRPr sz="1400">
+              <a:defRPr sz="1167">
                 <a:solidFill>
                   <a:schemeClr val="tx1">
                     <a:tint val="75000"/>
@@ -3272,7 +3920,7 @@
             <a:fld id="{1D8BD707-D9CF-40AE-B4C6-C98DA3205C09}" type="datetimeFigureOut">
               <a:rPr lang="en-US" smtClean="0"/>
               <a:pPr/>
-              <a:t>8/7/2015</a:t>
+              <a:t>8/7/15</a:t>
             </a:fld>
             <a:endParaRPr lang="en-US"/>
           </a:p>
@@ -3321,7 +3969,78 @@
           </a:p>
         </p:txBody>
       </p:sp>
+      <p:sp>
+        <p:nvSpPr>
+          <p:cNvPr id="7" name="Rectangle 6"/>
+          <p:cNvSpPr/>
+          <p:nvPr/>
+        </p:nvSpPr>
+        <p:spPr>
+          <a:xfrm>
+            <a:off x="9036498" y="0"/>
+            <a:ext cx="107503" cy="6858000"/>
+          </a:xfrm>
+          <a:prstGeom prst="rect">
+            <a:avLst/>
+          </a:prstGeom>
+          <a:gradFill>
+            <a:gsLst>
+              <a:gs pos="0">
+                <a:schemeClr val="accent6">
+                  <a:lumMod val="75000"/>
+                </a:schemeClr>
+              </a:gs>
+              <a:gs pos="50000">
+                <a:schemeClr val="accent6">
+                  <a:lumMod val="60000"/>
+                  <a:lumOff val="40000"/>
+                </a:schemeClr>
+              </a:gs>
+              <a:gs pos="100000">
+                <a:schemeClr val="accent6">
+                  <a:lumMod val="40000"/>
+                  <a:lumOff val="60000"/>
+                  <a:alpha val="69000"/>
+                </a:schemeClr>
+              </a:gs>
+            </a:gsLst>
+            <a:lin ang="5400000" scaled="0"/>
+          </a:gradFill>
+          <a:ln>
+            <a:noFill/>
+          </a:ln>
+        </p:spPr>
+        <p:style>
+          <a:lnRef idx="2">
+            <a:schemeClr val="accent1">
+              <a:shade val="50000"/>
+            </a:schemeClr>
+          </a:lnRef>
+          <a:fillRef idx="1">
+            <a:schemeClr val="accent1"/>
+          </a:fillRef>
+          <a:effectRef idx="0">
+            <a:schemeClr val="accent1"/>
+          </a:effectRef>
+          <a:fontRef idx="minor">
+            <a:schemeClr val="lt1"/>
+          </a:fontRef>
+        </p:style>
+        <p:txBody>
+          <a:bodyPr rtlCol="0" anchor="ctr"/>
+          <a:lstStyle/>
+          <a:p>
+            <a:pPr algn="ctr"/>
+            <a:endParaRPr lang="en-IN" sz="1167"/>
+          </a:p>
+        </p:txBody>
+      </p:sp>
     </p:spTree>
+    <p:extLst>
+      <p:ext uri="{BB962C8B-B14F-4D97-AF65-F5344CB8AC3E}">
+        <p14:creationId xmlns:p14="http://schemas.microsoft.com/office/powerpoint/2010/main" val="941804289"/>
+      </p:ext>
+    </p:extLst>
   </p:cSld>
   <p:clrMapOvr>
     <a:masterClrMapping/>
@@ -3365,7 +4084,7 @@
               <a:rPr lang="en-US" smtClean="0"/>
               <a:t>Click to edit Master title style</a:t>
             </a:r>
-            <a:endParaRPr lang="en-US"/>
+            <a:endParaRPr lang="en-IN"/>
           </a:p>
         </p:txBody>
       </p:sp>
@@ -3381,7 +4100,7 @@
         </p:nvSpPr>
         <p:spPr>
           <a:xfrm>
-            <a:off x="457200" y="1600200"/>
+            <a:off x="457200" y="1600201"/>
             <a:ext cx="4038600" cy="4525963"/>
           </a:xfrm>
         </p:spPr>
@@ -3389,31 +4108,31 @@
           <a:bodyPr/>
           <a:lstStyle>
             <a:lvl1pPr>
-              <a:defRPr sz="2800"/>
+              <a:defRPr sz="2333"/>
             </a:lvl1pPr>
             <a:lvl2pPr>
-              <a:defRPr sz="2400"/>
+              <a:defRPr sz="2000"/>
             </a:lvl2pPr>
             <a:lvl3pPr>
-              <a:defRPr sz="2000"/>
+              <a:defRPr sz="1667"/>
             </a:lvl3pPr>
             <a:lvl4pPr>
-              <a:defRPr sz="1800"/>
+              <a:defRPr sz="1500"/>
             </a:lvl4pPr>
             <a:lvl5pPr>
-              <a:defRPr sz="1800"/>
+              <a:defRPr sz="1500"/>
             </a:lvl5pPr>
             <a:lvl6pPr>
-              <a:defRPr sz="1800"/>
+              <a:defRPr sz="1500"/>
             </a:lvl6pPr>
             <a:lvl7pPr>
-              <a:defRPr sz="1800"/>
+              <a:defRPr sz="1500"/>
             </a:lvl7pPr>
             <a:lvl8pPr>
-              <a:defRPr sz="1800"/>
+              <a:defRPr sz="1500"/>
             </a:lvl8pPr>
             <a:lvl9pPr>
-              <a:defRPr sz="1800"/>
+              <a:defRPr sz="1500"/>
             </a:lvl9pPr>
           </a:lstStyle>
           <a:p>
@@ -3450,7 +4169,7 @@
               <a:rPr lang="en-US" smtClean="0"/>
               <a:t>Fifth level</a:t>
             </a:r>
-            <a:endParaRPr lang="en-US"/>
+            <a:endParaRPr lang="en-IN"/>
           </a:p>
         </p:txBody>
       </p:sp>
@@ -3466,7 +4185,7 @@
         </p:nvSpPr>
         <p:spPr>
           <a:xfrm>
-            <a:off x="4648200" y="1600200"/>
+            <a:off x="4648200" y="1600201"/>
             <a:ext cx="4038600" cy="4525963"/>
           </a:xfrm>
         </p:spPr>
@@ -3474,31 +4193,31 @@
           <a:bodyPr/>
           <a:lstStyle>
             <a:lvl1pPr>
-              <a:defRPr sz="2800"/>
+              <a:defRPr sz="2333"/>
             </a:lvl1pPr>
             <a:lvl2pPr>
-              <a:defRPr sz="2400"/>
+              <a:defRPr sz="2000"/>
             </a:lvl2pPr>
             <a:lvl3pPr>
-              <a:defRPr sz="2000"/>
+              <a:defRPr sz="1667"/>
             </a:lvl3pPr>
             <a:lvl4pPr>
-              <a:defRPr sz="1800"/>
+              <a:defRPr sz="1500"/>
             </a:lvl4pPr>
             <a:lvl5pPr>
-              <a:defRPr sz="1800"/>
+              <a:defRPr sz="1500"/>
             </a:lvl5pPr>
             <a:lvl6pPr>
-              <a:defRPr sz="1800"/>
+              <a:defRPr sz="1500"/>
             </a:lvl6pPr>
             <a:lvl7pPr>
-              <a:defRPr sz="1800"/>
+              <a:defRPr sz="1500"/>
             </a:lvl7pPr>
             <a:lvl8pPr>
-              <a:defRPr sz="1800"/>
+              <a:defRPr sz="1500"/>
             </a:lvl8pPr>
             <a:lvl9pPr>
-              <a:defRPr sz="1800"/>
+              <a:defRPr sz="1500"/>
             </a:lvl9pPr>
           </a:lstStyle>
           <a:p>
@@ -3535,7 +4254,7 @@
               <a:rPr lang="en-US" smtClean="0"/>
               <a:t>Fifth level</a:t>
             </a:r>
-            <a:endParaRPr lang="en-US"/>
+            <a:endParaRPr lang="en-IN"/>
           </a:p>
         </p:txBody>
       </p:sp>
@@ -3557,7 +4276,7 @@
             <a:fld id="{1D8BD707-D9CF-40AE-B4C6-C98DA3205C09}" type="datetimeFigureOut">
               <a:rPr lang="en-US" smtClean="0"/>
               <a:pPr/>
-              <a:t>8/7/2015</a:t>
+              <a:t>8/7/15</a:t>
             </a:fld>
             <a:endParaRPr lang="en-US"/>
           </a:p>
@@ -3606,7 +4325,145 @@
           </a:p>
         </p:txBody>
       </p:sp>
+      <p:sp>
+        <p:nvSpPr>
+          <p:cNvPr id="8" name="Rectangle 7"/>
+          <p:cNvSpPr/>
+          <p:nvPr/>
+        </p:nvSpPr>
+        <p:spPr>
+          <a:xfrm>
+            <a:off x="9036498" y="0"/>
+            <a:ext cx="107503" cy="6858000"/>
+          </a:xfrm>
+          <a:prstGeom prst="rect">
+            <a:avLst/>
+          </a:prstGeom>
+          <a:gradFill>
+            <a:gsLst>
+              <a:gs pos="0">
+                <a:schemeClr val="accent6">
+                  <a:lumMod val="75000"/>
+                </a:schemeClr>
+              </a:gs>
+              <a:gs pos="50000">
+                <a:schemeClr val="accent6">
+                  <a:lumMod val="60000"/>
+                  <a:lumOff val="40000"/>
+                </a:schemeClr>
+              </a:gs>
+              <a:gs pos="100000">
+                <a:schemeClr val="accent6">
+                  <a:lumMod val="40000"/>
+                  <a:lumOff val="60000"/>
+                  <a:alpha val="69000"/>
+                </a:schemeClr>
+              </a:gs>
+            </a:gsLst>
+            <a:lin ang="5400000" scaled="0"/>
+          </a:gradFill>
+          <a:ln>
+            <a:noFill/>
+          </a:ln>
+        </p:spPr>
+        <p:style>
+          <a:lnRef idx="2">
+            <a:schemeClr val="accent1">
+              <a:shade val="50000"/>
+            </a:schemeClr>
+          </a:lnRef>
+          <a:fillRef idx="1">
+            <a:schemeClr val="accent1"/>
+          </a:fillRef>
+          <a:effectRef idx="0">
+            <a:schemeClr val="accent1"/>
+          </a:effectRef>
+          <a:fontRef idx="minor">
+            <a:schemeClr val="lt1"/>
+          </a:fontRef>
+        </p:style>
+        <p:txBody>
+          <a:bodyPr rtlCol="0" anchor="ctr"/>
+          <a:lstStyle/>
+          <a:p>
+            <a:pPr algn="ctr"/>
+            <a:endParaRPr lang="en-IN" sz="1167"/>
+          </a:p>
+        </p:txBody>
+      </p:sp>
+      <p:sp>
+        <p:nvSpPr>
+          <p:cNvPr id="9" name="Rectangle 8"/>
+          <p:cNvSpPr/>
+          <p:nvPr/>
+        </p:nvSpPr>
+        <p:spPr>
+          <a:xfrm rot="10800000" flipV="1">
+            <a:off x="107505" y="702924"/>
+            <a:ext cx="8928991" cy="61780"/>
+          </a:xfrm>
+          <a:prstGeom prst="rect">
+            <a:avLst/>
+          </a:prstGeom>
+          <a:gradFill flip="none" rotWithShape="1">
+            <a:gsLst>
+              <a:gs pos="0">
+                <a:schemeClr val="accent6">
+                  <a:lumMod val="75000"/>
+                </a:schemeClr>
+              </a:gs>
+              <a:gs pos="50000">
+                <a:schemeClr val="accent6">
+                  <a:lumMod val="60000"/>
+                  <a:lumOff val="40000"/>
+                </a:schemeClr>
+              </a:gs>
+              <a:gs pos="100000">
+                <a:schemeClr val="accent6">
+                  <a:lumMod val="40000"/>
+                  <a:lumOff val="60000"/>
+                  <a:alpha val="0"/>
+                </a:schemeClr>
+              </a:gs>
+            </a:gsLst>
+            <a:lin ang="0" scaled="1"/>
+            <a:tileRect/>
+          </a:gradFill>
+          <a:ln>
+            <a:noFill/>
+          </a:ln>
+        </p:spPr>
+        <p:style>
+          <a:lnRef idx="2">
+            <a:schemeClr val="accent1">
+              <a:shade val="50000"/>
+            </a:schemeClr>
+          </a:lnRef>
+          <a:fillRef idx="1">
+            <a:schemeClr val="accent1"/>
+          </a:fillRef>
+          <a:effectRef idx="0">
+            <a:schemeClr val="accent1"/>
+          </a:effectRef>
+          <a:fontRef idx="minor">
+            <a:schemeClr val="lt1"/>
+          </a:fontRef>
+        </p:style>
+        <p:txBody>
+          <a:bodyPr rtlCol="0" anchor="ctr"/>
+          <a:lstStyle/>
+          <a:p>
+            <a:pPr algn="ctr"/>
+            <a:endParaRPr lang="en-IN" sz="1800"/>
+          </a:p>
+        </p:txBody>
+      </p:sp>
     </p:spTree>
+    <p:extLst>
+      <p:ext uri="{BB962C8B-B14F-4D97-AF65-F5344CB8AC3E}">
+        <p14:creationId xmlns:p14="http://schemas.microsoft.com/office/powerpoint/2010/main" val="1826620483"/>
+      </p:ext>
+    </p:extLst>
   </p:cSld>
   <p:clrMapOvr>
     <a:masterClrMapping/>
@@ -3654,7 +4511,7 @@
               <a:rPr lang="en-US" smtClean="0"/>
               <a:t>Click to edit Master title style</a:t>
             </a:r>
-            <a:endParaRPr lang="en-US"/>
+            <a:endParaRPr lang="en-IN"/>
           </a:p>
         </p:txBody>
       </p:sp>
@@ -3670,7 +4527,7 @@
         </p:nvSpPr>
         <p:spPr>
           <a:xfrm>
-            <a:off x="457200" y="1535113"/>
+            <a:off x="457200" y="1535114"/>
             <a:ext cx="4040188" cy="639762"/>
           </a:xfrm>
         </p:spPr>
@@ -3679,39 +4536,39 @@
           <a:lstStyle>
             <a:lvl1pPr marL="0" indent="0">
               <a:buNone/>
-              <a:defRPr sz="2400" b="1"/>
+              <a:defRPr sz="2000" b="1"/>
             </a:lvl1pPr>
-            <a:lvl2pPr marL="457200" indent="0">
+            <a:lvl2pPr marL="380985" indent="0">
               <a:buNone/>
-              <a:defRPr sz="2000" b="1"/>
+              <a:defRPr sz="1667" b="1"/>
             </a:lvl2pPr>
-            <a:lvl3pPr marL="914400" indent="0">
+            <a:lvl3pPr marL="761970" indent="0">
               <a:buNone/>
-              <a:defRPr sz="1800" b="1"/>
+              <a:defRPr sz="1500" b="1"/>
             </a:lvl3pPr>
-            <a:lvl4pPr marL="1371600" indent="0">
+            <a:lvl4pPr marL="1142954" indent="0">
               <a:buNone/>
-              <a:defRPr sz="1600" b="1"/>
+              <a:defRPr sz="1333" b="1"/>
             </a:lvl4pPr>
-            <a:lvl5pPr marL="1828800" indent="0">
+            <a:lvl5pPr marL="1523939" indent="0">
               <a:buNone/>
-              <a:defRPr sz="1600" b="1"/>
+              <a:defRPr sz="1333" b="1"/>
             </a:lvl5pPr>
-            <a:lvl6pPr marL="2286000" indent="0">
+            <a:lvl6pPr marL="1904924" indent="0">
               <a:buNone/>
-              <a:defRPr sz="1600" b="1"/>
+              <a:defRPr sz="1333" b="1"/>
             </a:lvl6pPr>
-            <a:lvl7pPr marL="2743200" indent="0">
+            <a:lvl7pPr marL="2285909" indent="0">
               <a:buNone/>
-              <a:defRPr sz="1600" b="1"/>
+              <a:defRPr sz="1333" b="1"/>
             </a:lvl7pPr>
-            <a:lvl8pPr marL="3200400" indent="0">
+            <a:lvl8pPr marL="2666893" indent="0">
               <a:buNone/>
-              <a:defRPr sz="1600" b="1"/>
+              <a:defRPr sz="1333" b="1"/>
             </a:lvl8pPr>
-            <a:lvl9pPr marL="3657600" indent="0">
+            <a:lvl9pPr marL="3047878" indent="0">
               <a:buNone/>
-              <a:defRPr sz="1600" b="1"/>
+              <a:defRPr sz="1333" b="1"/>
             </a:lvl9pPr>
           </a:lstStyle>
           <a:p>
@@ -3743,31 +4600,31 @@
           <a:bodyPr/>
           <a:lstStyle>
             <a:lvl1pPr>
-              <a:defRPr sz="2400"/>
+              <a:defRPr sz="2000"/>
             </a:lvl1pPr>
             <a:lvl2pPr>
-              <a:defRPr sz="2000"/>
+              <a:defRPr sz="1667"/>
             </a:lvl2pPr>
             <a:lvl3pPr>
-              <a:defRPr sz="1800"/>
+              <a:defRPr sz="1500"/>
             </a:lvl3pPr>
             <a:lvl4pPr>
-              <a:defRPr sz="1600"/>
+              <a:defRPr sz="1333"/>
             </a:lvl4pPr>
             <a:lvl5pPr>
-              <a:defRPr sz="1600"/>
+              <a:defRPr sz="1333"/>
             </a:lvl5pPr>
             <a:lvl6pPr>
-              <a:defRPr sz="1600"/>
+              <a:defRPr sz="1333"/>
             </a:lvl6pPr>
             <a:lvl7pPr>
-              <a:defRPr sz="1600"/>
+              <a:defRPr sz="1333"/>
             </a:lvl7pPr>
             <a:lvl8pPr>
-              <a:defRPr sz="1600"/>
+              <a:defRPr sz="1333"/>
             </a:lvl8pPr>
             <a:lvl9pPr>
-              <a:defRPr sz="1600"/>
+              <a:defRPr sz="1333"/>
             </a:lvl9pPr>
           </a:lstStyle>
           <a:p>
@@ -3804,7 +4661,7 @@
               <a:rPr lang="en-US" smtClean="0"/>
               <a:t>Fifth level</a:t>
             </a:r>
-            <a:endParaRPr lang="en-US"/>
+            <a:endParaRPr lang="en-IN"/>
           </a:p>
         </p:txBody>
       </p:sp>
@@ -3820,7 +4677,7 @@
         </p:nvSpPr>
         <p:spPr>
           <a:xfrm>
-            <a:off x="4645025" y="1535113"/>
+            <a:off x="4645027" y="1535114"/>
             <a:ext cx="4041775" cy="639762"/>
           </a:xfrm>
         </p:spPr>
@@ -3829,39 +4686,39 @@
           <a:lstStyle>
             <a:lvl1pPr marL="0" indent="0">
               <a:buNone/>
-              <a:defRPr sz="2400" b="1"/>
+              <a:defRPr sz="2000" b="1"/>
             </a:lvl1pPr>
-            <a:lvl2pPr marL="457200" indent="0">
+            <a:lvl2pPr marL="380985" indent="0">
               <a:buNone/>
-              <a:defRPr sz="2000" b="1"/>
+              <a:defRPr sz="1667" b="1"/>
             </a:lvl2pPr>
-            <a:lvl3pPr marL="914400" indent="0">
+            <a:lvl3pPr marL="761970" indent="0">
               <a:buNone/>
-              <a:defRPr sz="1800" b="1"/>
+              <a:defRPr sz="1500" b="1"/>
             </a:lvl3pPr>
-            <a:lvl4pPr marL="1371600" indent="0">
+            <a:lvl4pPr marL="1142954" indent="0">
               <a:buNone/>
-              <a:defRPr sz="1600" b="1"/>
+              <a:defRPr sz="1333" b="1"/>
             </a:lvl4pPr>
-            <a:lvl5pPr marL="1828800" indent="0">
+            <a:lvl5pPr marL="1523939" indent="0">
               <a:buNone/>
-              <a:defRPr sz="1600" b="1"/>
+              <a:defRPr sz="1333" b="1"/>
             </a:lvl5pPr>
-            <a:lvl6pPr marL="2286000" indent="0">
+            <a:lvl6pPr marL="1904924" indent="0">
               <a:buNone/>
-              <a:defRPr sz="1600" b="1"/>
+              <a:defRPr sz="1333" b="1"/>
             </a:lvl6pPr>
-            <a:lvl7pPr marL="2743200" indent="0">
+            <a:lvl7pPr marL="2285909" indent="0">
               <a:buNone/>
-              <a:defRPr sz="1600" b="1"/>
+              <a:defRPr sz="1333" b="1"/>
             </a:lvl7pPr>
-            <a:lvl8pPr marL="3200400" indent="0">
+            <a:lvl8pPr marL="2666893" indent="0">
               <a:buNone/>
-              <a:defRPr sz="1600" b="1"/>
+              <a:defRPr sz="1333" b="1"/>
             </a:lvl8pPr>
-            <a:lvl9pPr marL="3657600" indent="0">
+            <a:lvl9pPr marL="3047878" indent="0">
               <a:buNone/>
-              <a:defRPr sz="1600" b="1"/>
+              <a:defRPr sz="1333" b="1"/>
             </a:lvl9pPr>
           </a:lstStyle>
           <a:p>
@@ -3885,7 +4742,7 @@
         </p:nvSpPr>
         <p:spPr>
           <a:xfrm>
-            <a:off x="4645025" y="2174875"/>
+            <a:off x="4645027" y="2174875"/>
             <a:ext cx="4041775" cy="3951288"/>
           </a:xfrm>
         </p:spPr>
@@ -3893,31 +4750,31 @@
           <a:bodyPr/>
           <a:lstStyle>
             <a:lvl1pPr>
-              <a:defRPr sz="2400"/>
+              <a:defRPr sz="2000"/>
             </a:lvl1pPr>
             <a:lvl2pPr>
-              <a:defRPr sz="2000"/>
+              <a:defRPr sz="1667"/>
             </a:lvl2pPr>
             <a:lvl3pPr>
-              <a:defRPr sz="1800"/>
+              <a:defRPr sz="1500"/>
             </a:lvl3pPr>
             <a:lvl4pPr>
-              <a:defRPr sz="1600"/>
+              <a:defRPr sz="1333"/>
             </a:lvl4pPr>
             <a:lvl5pPr>
-              <a:defRPr sz="1600"/>
+              <a:defRPr sz="1333"/>
             </a:lvl5pPr>
             <a:lvl6pPr>
-              <a:defRPr sz="1600"/>
+              <a:defRPr sz="1333"/>
             </a:lvl6pPr>
             <a:lvl7pPr>
-              <a:defRPr sz="1600"/>
+              <a:defRPr sz="1333"/>
             </a:lvl7pPr>
             <a:lvl8pPr>
-              <a:defRPr sz="1600"/>
+              <a:defRPr sz="1333"/>
             </a:lvl8pPr>
             <a:lvl9pPr>
-              <a:defRPr sz="1600"/>
+              <a:defRPr sz="1333"/>
             </a:lvl9pPr>
           </a:lstStyle>
           <a:p>
@@ -3954,7 +4811,7 @@
               <a:rPr lang="en-US" smtClean="0"/>
               <a:t>Fifth level</a:t>
             </a:r>
-            <a:endParaRPr lang="en-US"/>
+            <a:endParaRPr lang="en-IN"/>
           </a:p>
         </p:txBody>
       </p:sp>
@@ -3976,7 +4833,7 @@
             <a:fld id="{1D8BD707-D9CF-40AE-B4C6-C98DA3205C09}" type="datetimeFigureOut">
               <a:rPr lang="en-US" smtClean="0"/>
               <a:pPr/>
-              <a:t>8/7/2015</a:t>
+              <a:t>8/7/15</a:t>
             </a:fld>
             <a:endParaRPr lang="en-US"/>
           </a:p>
@@ -4025,7 +4882,145 @@
           </a:p>
         </p:txBody>
       </p:sp>
+      <p:sp>
+        <p:nvSpPr>
+          <p:cNvPr id="10" name="Rectangle 9"/>
+          <p:cNvSpPr/>
+          <p:nvPr/>
+        </p:nvSpPr>
+        <p:spPr>
+          <a:xfrm>
+            <a:off x="9036498" y="0"/>
+            <a:ext cx="107503" cy="6858000"/>
+          </a:xfrm>
+          <a:prstGeom prst="rect">
+            <a:avLst/>
+          </a:prstGeom>
+          <a:gradFill>
+            <a:gsLst>
+              <a:gs pos="0">
+                <a:schemeClr val="accent6">
+                  <a:lumMod val="75000"/>
+                </a:schemeClr>
+              </a:gs>
+              <a:gs pos="50000">
+                <a:schemeClr val="accent6">
+                  <a:lumMod val="60000"/>
+                  <a:lumOff val="40000"/>
+                </a:schemeClr>
+              </a:gs>
+              <a:gs pos="100000">
+                <a:schemeClr val="accent6">
+                  <a:lumMod val="40000"/>
+                  <a:lumOff val="60000"/>
+                  <a:alpha val="69000"/>
+                </a:schemeClr>
+              </a:gs>
+            </a:gsLst>
+            <a:lin ang="5400000" scaled="0"/>
+          </a:gradFill>
+          <a:ln>
+            <a:noFill/>
+          </a:ln>
+        </p:spPr>
+        <p:style>
+          <a:lnRef idx="2">
+            <a:schemeClr val="accent1">
+              <a:shade val="50000"/>
+            </a:schemeClr>
+          </a:lnRef>
+          <a:fillRef idx="1">
+            <a:schemeClr val="accent1"/>
+          </a:fillRef>
+          <a:effectRef idx="0">
+            <a:schemeClr val="accent1"/>
+          </a:effectRef>
+          <a:fontRef idx="minor">
+            <a:schemeClr val="lt1"/>
+          </a:fontRef>
+        </p:style>
+        <p:txBody>
+          <a:bodyPr rtlCol="0" anchor="ctr"/>
+          <a:lstStyle/>
+          <a:p>
+            <a:pPr algn="ctr"/>
+            <a:endParaRPr lang="en-IN" sz="1167"/>
+          </a:p>
+        </p:txBody>
+      </p:sp>
+      <p:sp>
+        <p:nvSpPr>
+          <p:cNvPr id="11" name="Rectangle 10"/>
+          <p:cNvSpPr/>
+          <p:nvPr/>
+        </p:nvSpPr>
+        <p:spPr>
+          <a:xfrm rot="10800000" flipV="1">
+            <a:off x="107505" y="702924"/>
+            <a:ext cx="8928991" cy="61780"/>
+          </a:xfrm>
+          <a:prstGeom prst="rect">
+            <a:avLst/>
+          </a:prstGeom>
+          <a:gradFill flip="none" rotWithShape="1">
+            <a:gsLst>
+              <a:gs pos="0">
+                <a:schemeClr val="accent6">
+                  <a:lumMod val="75000"/>
+                </a:schemeClr>
+              </a:gs>
+              <a:gs pos="50000">
+                <a:schemeClr val="accent6">
+                  <a:lumMod val="60000"/>
+                  <a:lumOff val="40000"/>
+                </a:schemeClr>
+              </a:gs>
+              <a:gs pos="100000">
+                <a:schemeClr val="accent6">
+                  <a:lumMod val="40000"/>
+                  <a:lumOff val="60000"/>
+                  <a:alpha val="0"/>
+                </a:schemeClr>
+              </a:gs>
+            </a:gsLst>
+            <a:lin ang="0" scaled="1"/>
+            <a:tileRect/>
+          </a:gradFill>
+          <a:ln>
+            <a:noFill/>
+          </a:ln>
+        </p:spPr>
+        <p:style>
+          <a:lnRef idx="2">
+            <a:schemeClr val="accent1">
+              <a:shade val="50000"/>
+            </a:schemeClr>
+          </a:lnRef>
+          <a:fillRef idx="1">
+            <a:schemeClr val="accent1"/>
+          </a:fillRef>
+          <a:effectRef idx="0">
+            <a:schemeClr val="accent1"/>
+          </a:effectRef>
+          <a:fontRef idx="minor">
+            <a:schemeClr val="lt1"/>
+          </a:fontRef>
+        </p:style>
+        <p:txBody>
+          <a:bodyPr rtlCol="0" anchor="ctr"/>
+          <a:lstStyle/>
+          <a:p>
+            <a:pPr algn="ctr"/>
+            <a:endParaRPr lang="en-IN" sz="1800"/>
+          </a:p>
+        </p:txBody>
+      </p:sp>
     </p:spTree>
+    <p:extLst>
+      <p:ext uri="{BB962C8B-B14F-4D97-AF65-F5344CB8AC3E}">
+        <p14:creationId xmlns:p14="http://schemas.microsoft.com/office/powerpoint/2010/main" val="2045826607"/>
+      </p:ext>
+    </p:extLst>
   </p:cSld>
   <p:clrMapOvr>
     <a:masterClrMapping/>
@@ -4069,7 +5064,7 @@
               <a:rPr lang="en-US" smtClean="0"/>
               <a:t>Click to edit Master title style</a:t>
             </a:r>
-            <a:endParaRPr lang="en-US"/>
+            <a:endParaRPr lang="en-IN"/>
           </a:p>
         </p:txBody>
       </p:sp>
@@ -4091,7 +5086,7 @@
             <a:fld id="{1D8BD707-D9CF-40AE-B4C6-C98DA3205C09}" type="datetimeFigureOut">
               <a:rPr lang="en-US" smtClean="0"/>
               <a:pPr/>
-              <a:t>8/7/2015</a:t>
+              <a:t>8/7/15</a:t>
             </a:fld>
             <a:endParaRPr lang="en-US"/>
           </a:p>
@@ -4140,7 +5135,145 @@
           </a:p>
         </p:txBody>
       </p:sp>
+      <p:sp>
+        <p:nvSpPr>
+          <p:cNvPr id="6" name="Rectangle 5"/>
+          <p:cNvSpPr/>
+          <p:nvPr/>
+        </p:nvSpPr>
+        <p:spPr>
+          <a:xfrm>
+            <a:off x="9036498" y="0"/>
+            <a:ext cx="107503" cy="6858000"/>
+          </a:xfrm>
+          <a:prstGeom prst="rect">
+            <a:avLst/>
+          </a:prstGeom>
+          <a:gradFill>
+            <a:gsLst>
+              <a:gs pos="0">
+                <a:schemeClr val="accent6">
+                  <a:lumMod val="75000"/>
+                </a:schemeClr>
+              </a:gs>
+              <a:gs pos="50000">
+                <a:schemeClr val="accent6">
+                  <a:lumMod val="60000"/>
+                  <a:lumOff val="40000"/>
+                </a:schemeClr>
+              </a:gs>
+              <a:gs pos="100000">
+                <a:schemeClr val="accent6">
+                  <a:lumMod val="40000"/>
+                  <a:lumOff val="60000"/>
+                  <a:alpha val="69000"/>
+                </a:schemeClr>
+              </a:gs>
+            </a:gsLst>
+            <a:lin ang="5400000" scaled="0"/>
+          </a:gradFill>
+          <a:ln>
+            <a:noFill/>
+          </a:ln>
+        </p:spPr>
+        <p:style>
+          <a:lnRef idx="2">
+            <a:schemeClr val="accent1">
+              <a:shade val="50000"/>
+            </a:schemeClr>
+          </a:lnRef>
+          <a:fillRef idx="1">
+            <a:schemeClr val="accent1"/>
+          </a:fillRef>
+          <a:effectRef idx="0">
+            <a:schemeClr val="accent1"/>
+          </a:effectRef>
+          <a:fontRef idx="minor">
+            <a:schemeClr val="lt1"/>
+          </a:fontRef>
+        </p:style>
+        <p:txBody>
+          <a:bodyPr rtlCol="0" anchor="ctr"/>
+          <a:lstStyle/>
+          <a:p>
+            <a:pPr algn="ctr"/>
+            <a:endParaRPr lang="en-IN" sz="1167"/>
+          </a:p>
+        </p:txBody>
+      </p:sp>
+      <p:sp>
+        <p:nvSpPr>
+          <p:cNvPr id="7" name="Rectangle 6"/>
+          <p:cNvSpPr/>
+          <p:nvPr/>
+        </p:nvSpPr>
+        <p:spPr>
+          <a:xfrm rot="10800000" flipV="1">
+            <a:off x="107505" y="702924"/>
+            <a:ext cx="8928991" cy="61780"/>
+          </a:xfrm>
+          <a:prstGeom prst="rect">
+            <a:avLst/>
+          </a:prstGeom>
+          <a:gradFill flip="none" rotWithShape="1">
+            <a:gsLst>
+              <a:gs pos="0">
+                <a:schemeClr val="accent6">
+                  <a:lumMod val="75000"/>
+                </a:schemeClr>
+              </a:gs>
+              <a:gs pos="50000">
+                <a:schemeClr val="accent6">
+                  <a:lumMod val="60000"/>
+                  <a:lumOff val="40000"/>
+                </a:schemeClr>
+              </a:gs>
+              <a:gs pos="100000">
+                <a:schemeClr val="accent6">
+                  <a:lumMod val="40000"/>
+                  <a:lumOff val="60000"/>
+                  <a:alpha val="0"/>
+                </a:schemeClr>
+              </a:gs>
+            </a:gsLst>
+            <a:lin ang="0" scaled="1"/>
+            <a:tileRect/>
+          </a:gradFill>
+          <a:ln>
+            <a:noFill/>
+          </a:ln>
+        </p:spPr>
+        <p:style>
+          <a:lnRef idx="2">
+            <a:schemeClr val="accent1">
+              <a:shade val="50000"/>
+            </a:schemeClr>
+          </a:lnRef>
+          <a:fillRef idx="1">
+            <a:schemeClr val="accent1"/>
+          </a:fillRef>
+          <a:effectRef idx="0">
+            <a:schemeClr val="accent1"/>
+          </a:effectRef>
+          <a:fontRef idx="minor">
+            <a:schemeClr val="lt1"/>
+          </a:fontRef>
+        </p:style>
+        <p:txBody>
+          <a:bodyPr rtlCol="0" anchor="ctr"/>
+          <a:lstStyle/>
+          <a:p>
+            <a:pPr algn="ctr"/>
+            <a:endParaRPr lang="en-IN" sz="1800"/>
+          </a:p>
+        </p:txBody>
+      </p:sp>
     </p:spTree>
+    <p:extLst>
+      <p:ext uri="{BB962C8B-B14F-4D97-AF65-F5344CB8AC3E}">
+        <p14:creationId xmlns:p14="http://schemas.microsoft.com/office/powerpoint/2010/main" val="2037770478"/>
+      </p:ext>
+    </p:extLst>
   </p:cSld>
   <p:clrMapOvr>
     <a:masterClrMapping/>
@@ -4183,7 +5316,7 @@
             <a:fld id="{1D8BD707-D9CF-40AE-B4C6-C98DA3205C09}" type="datetimeFigureOut">
               <a:rPr lang="en-US" smtClean="0"/>
               <a:pPr/>
-              <a:t>8/7/2015</a:t>
+              <a:t>8/7/15</a:t>
             </a:fld>
             <a:endParaRPr lang="en-US"/>
           </a:p>
@@ -4232,7 +5365,145 @@
           </a:p>
         </p:txBody>
       </p:sp>
+      <p:sp>
+        <p:nvSpPr>
+          <p:cNvPr id="5" name="Rectangle 4"/>
+          <p:cNvSpPr/>
+          <p:nvPr/>
+        </p:nvSpPr>
+        <p:spPr>
+          <a:xfrm>
+            <a:off x="9036498" y="0"/>
+            <a:ext cx="107503" cy="6858000"/>
+          </a:xfrm>
+          <a:prstGeom prst="rect">
+            <a:avLst/>
+          </a:prstGeom>
+          <a:gradFill>
+            <a:gsLst>
+              <a:gs pos="0">
+                <a:schemeClr val="accent6">
+                  <a:lumMod val="75000"/>
+                </a:schemeClr>
+              </a:gs>
+              <a:gs pos="50000">
+                <a:schemeClr val="accent6">
+                  <a:lumMod val="60000"/>
+                  <a:lumOff val="40000"/>
+                </a:schemeClr>
+              </a:gs>
+              <a:gs pos="100000">
+                <a:schemeClr val="accent6">
+                  <a:lumMod val="40000"/>
+                  <a:lumOff val="60000"/>
+                  <a:alpha val="69000"/>
+                </a:schemeClr>
+              </a:gs>
+            </a:gsLst>
+            <a:lin ang="5400000" scaled="0"/>
+          </a:gradFill>
+          <a:ln>
+            <a:noFill/>
+          </a:ln>
+        </p:spPr>
+        <p:style>
+          <a:lnRef idx="2">
+            <a:schemeClr val="accent1">
+              <a:shade val="50000"/>
+            </a:schemeClr>
+          </a:lnRef>
+          <a:fillRef idx="1">
+            <a:schemeClr val="accent1"/>
+          </a:fillRef>
+          <a:effectRef idx="0">
+            <a:schemeClr val="accent1"/>
+          </a:effectRef>
+          <a:fontRef idx="minor">
+            <a:schemeClr val="lt1"/>
+          </a:fontRef>
+        </p:style>
+        <p:txBody>
+          <a:bodyPr rtlCol="0" anchor="ctr"/>
+          <a:lstStyle/>
+          <a:p>
+            <a:pPr algn="ctr"/>
+            <a:endParaRPr lang="en-IN" sz="1167"/>
+          </a:p>
+        </p:txBody>
+      </p:sp>
+      <p:sp>
+        <p:nvSpPr>
+          <p:cNvPr id="6" name="Rectangle 5"/>
+          <p:cNvSpPr/>
+          <p:nvPr/>
+        </p:nvSpPr>
+        <p:spPr>
+          <a:xfrm rot="10800000" flipV="1">
+            <a:off x="107505" y="702924"/>
+            <a:ext cx="8928991" cy="61780"/>
+          </a:xfrm>
+          <a:prstGeom prst="rect">
+            <a:avLst/>
+          </a:prstGeom>
+          <a:gradFill flip="none" rotWithShape="1">
+            <a:gsLst>
+              <a:gs pos="0">
+                <a:schemeClr val="accent6">
+                  <a:lumMod val="75000"/>
+                </a:schemeClr>
+              </a:gs>
+              <a:gs pos="50000">
+                <a:schemeClr val="accent6">
+                  <a:lumMod val="60000"/>
+                  <a:lumOff val="40000"/>
+                </a:schemeClr>
+              </a:gs>
+              <a:gs pos="100000">
+                <a:schemeClr val="accent6">
+                  <a:lumMod val="40000"/>
+                  <a:lumOff val="60000"/>
+                  <a:alpha val="0"/>
+                </a:schemeClr>
+              </a:gs>
+            </a:gsLst>
+            <a:lin ang="0" scaled="1"/>
+            <a:tileRect/>
+          </a:gradFill>
+          <a:ln>
+            <a:noFill/>
+          </a:ln>
+        </p:spPr>
+        <p:style>
+          <a:lnRef idx="2">
+            <a:schemeClr val="accent1">
+              <a:shade val="50000"/>
+            </a:schemeClr>
+          </a:lnRef>
+          <a:fillRef idx="1">
+            <a:schemeClr val="accent1"/>
+          </a:fillRef>
+          <a:effectRef idx="0">
+            <a:schemeClr val="accent1"/>
+          </a:effectRef>
+          <a:fontRef idx="minor">
+            <a:schemeClr val="lt1"/>
+          </a:fontRef>
+        </p:style>
+        <p:txBody>
+          <a:bodyPr rtlCol="0" anchor="ctr"/>
+          <a:lstStyle/>
+          <a:p>
+            <a:pPr algn="ctr"/>
+            <a:endParaRPr lang="en-IN" sz="1800"/>
+          </a:p>
+        </p:txBody>
+      </p:sp>
     </p:spTree>
+    <p:extLst>
+      <p:ext uri="{BB962C8B-B14F-4D97-AF65-F5344CB8AC3E}">
+        <p14:creationId xmlns:p14="http://schemas.microsoft.com/office/powerpoint/2010/main" val="1930772757"/>
+      </p:ext>
+    </p:extLst>
   </p:cSld>
   <p:clrMapOvr>
     <a:masterClrMapping/>
@@ -4269,7 +5540,7 @@
         </p:nvSpPr>
         <p:spPr>
           <a:xfrm>
-            <a:off x="457200" y="273050"/>
+            <a:off x="457201" y="273051"/>
             <a:ext cx="3008313" cy="1162050"/>
           </a:xfrm>
         </p:spPr>
@@ -4277,7 +5548,7 @@
           <a:bodyPr anchor="b"/>
           <a:lstStyle>
             <a:lvl1pPr algn="l">
-              <a:defRPr sz="2000" b="1"/>
+              <a:defRPr sz="1667" b="1"/>
             </a:lvl1pPr>
           </a:lstStyle>
           <a:p>
@@ -4285,7 +5556,7 @@
               <a:rPr lang="en-US" smtClean="0"/>
               <a:t>Click to edit Master title style</a:t>
             </a:r>
-            <a:endParaRPr lang="en-US"/>
+            <a:endParaRPr lang="en-IN"/>
           </a:p>
         </p:txBody>
       </p:sp>
@@ -4301,7 +5572,7 @@
         </p:nvSpPr>
         <p:spPr>
           <a:xfrm>
-            <a:off x="3575050" y="273050"/>
+            <a:off x="3575051" y="273052"/>
             <a:ext cx="5111750" cy="5853113"/>
           </a:xfrm>
         </p:spPr>
@@ -4309,31 +5580,31 @@
           <a:bodyPr/>
           <a:lstStyle>
             <a:lvl1pPr>
-              <a:defRPr sz="3200"/>
+              <a:defRPr sz="2667"/>
             </a:lvl1pPr>
             <a:lvl2pPr>
-              <a:defRPr sz="2800"/>
+              <a:defRPr sz="2333"/>
             </a:lvl2pPr>
             <a:lvl3pPr>
-              <a:defRPr sz="2400"/>
+              <a:defRPr sz="2000"/>
             </a:lvl3pPr>
             <a:lvl4pPr>
-              <a:defRPr sz="2000"/>
+              <a:defRPr sz="1667"/>
             </a:lvl4pPr>
             <a:lvl5pPr>
-              <a:defRPr sz="2000"/>
+              <a:defRPr sz="1667"/>
             </a:lvl5pPr>
             <a:lvl6pPr>
-              <a:defRPr sz="2000"/>
+              <a:defRPr sz="1667"/>
             </a:lvl6pPr>
             <a:lvl7pPr>
-              <a:defRPr sz="2000"/>
+              <a:defRPr sz="1667"/>
             </a:lvl7pPr>
             <a:lvl8pPr>
-              <a:defRPr sz="2000"/>
+              <a:defRPr sz="1667"/>
             </a:lvl8pPr>
             <a:lvl9pPr>
-              <a:defRPr sz="2000"/>
+              <a:defRPr sz="1667"/>
             </a:lvl9pPr>
           </a:lstStyle>
           <a:p>
@@ -4370,7 +5641,7 @@
               <a:rPr lang="en-US" smtClean="0"/>
               <a:t>Fifth level</a:t>
             </a:r>
-            <a:endParaRPr lang="en-US"/>
+            <a:endParaRPr lang="en-IN"/>
           </a:p>
         </p:txBody>
       </p:sp>
@@ -4386,7 +5657,7 @@
         </p:nvSpPr>
         <p:spPr>
           <a:xfrm>
-            <a:off x="457200" y="1435100"/>
+            <a:off x="457201" y="1435102"/>
             <a:ext cx="3008313" cy="4691063"/>
           </a:xfrm>
         </p:spPr>
@@ -4395,39 +5666,39 @@
           <a:lstStyle>
             <a:lvl1pPr marL="0" indent="0">
               <a:buNone/>
-              <a:defRPr sz="1400"/>
+              <a:defRPr sz="1167"/>
             </a:lvl1pPr>
-            <a:lvl2pPr marL="457200" indent="0">
-              <a:buNone/>
-              <a:defRPr sz="1200"/>
-            </a:lvl2pPr>
-            <a:lvl3pPr marL="914400" indent="0">
+            <a:lvl2pPr marL="380985" indent="0">
               <a:buNone/>
               <a:defRPr sz="1000"/>
+            </a:lvl2pPr>
+            <a:lvl3pPr marL="761970" indent="0">
+              <a:buNone/>
+              <a:defRPr sz="833"/>
             </a:lvl3pPr>
-            <a:lvl4pPr marL="1371600" indent="0">
+            <a:lvl4pPr marL="1142954" indent="0">
               <a:buNone/>
-              <a:defRPr sz="900"/>
+              <a:defRPr sz="750"/>
             </a:lvl4pPr>
-            <a:lvl5pPr marL="1828800" indent="0">
+            <a:lvl5pPr marL="1523939" indent="0">
               <a:buNone/>
-              <a:defRPr sz="900"/>
+              <a:defRPr sz="750"/>
             </a:lvl5pPr>
-            <a:lvl6pPr marL="2286000" indent="0">
+            <a:lvl6pPr marL="1904924" indent="0">
               <a:buNone/>
-              <a:defRPr sz="900"/>
+              <a:defRPr sz="750"/>
             </a:lvl6pPr>
-            <a:lvl7pPr marL="2743200" indent="0">
+            <a:lvl7pPr marL="2285909" indent="0">
               <a:buNone/>
-              <a:defRPr sz="900"/>
+              <a:defRPr sz="750"/>
             </a:lvl7pPr>
-            <a:lvl8pPr marL="3200400" indent="0">
+            <a:lvl8pPr marL="2666893" indent="0">
               <a:buNone/>
-              <a:defRPr sz="900"/>
+              <a:defRPr sz="750"/>
             </a:lvl8pPr>
-            <a:lvl9pPr marL="3657600" indent="0">
+            <a:lvl9pPr marL="3047878" indent="0">
               <a:buNone/>
-              <a:defRPr sz="900"/>
+              <a:defRPr sz="750"/>
             </a:lvl9pPr>
           </a:lstStyle>
           <a:p>
@@ -4457,7 +5728,7 @@
             <a:fld id="{1D8BD707-D9CF-40AE-B4C6-C98DA3205C09}" type="datetimeFigureOut">
               <a:rPr lang="en-US" smtClean="0"/>
               <a:pPr/>
-              <a:t>8/7/2015</a:t>
+              <a:t>8/7/15</a:t>
             </a:fld>
             <a:endParaRPr lang="en-US"/>
           </a:p>
@@ -4507,6 +5778,11 @@
         </p:txBody>
       </p:sp>
     </p:spTree>
+    <p:extLst>
+      <p:ext uri="{BB962C8B-B14F-4D97-AF65-F5344CB8AC3E}">
+        <p14:creationId xmlns:p14="http://schemas.microsoft.com/office/powerpoint/2010/main" val="1647149314"/>
+      </p:ext>
+    </p:extLst>
   </p:cSld>
   <p:clrMapOvr>
     <a:masterClrMapping/>
@@ -4551,7 +5827,7 @@
           <a:bodyPr anchor="b"/>
           <a:lstStyle>
             <a:lvl1pPr algn="l">
-              <a:defRPr sz="2000" b="1"/>
+              <a:defRPr sz="1667" b="1"/>
             </a:lvl1pPr>
           </a:lstStyle>
           <a:p>
@@ -4559,7 +5835,7 @@
               <a:rPr lang="en-US" smtClean="0"/>
               <a:t>Click to edit Master title style</a:t>
             </a:r>
-            <a:endParaRPr lang="en-US"/>
+            <a:endParaRPr lang="en-IN"/>
           </a:p>
         </p:txBody>
       </p:sp>
@@ -4584,43 +5860,47 @@
           <a:lstStyle>
             <a:lvl1pPr marL="0" indent="0">
               <a:buNone/>
-              <a:defRPr sz="3200"/>
+              <a:defRPr sz="2667"/>
             </a:lvl1pPr>
-            <a:lvl2pPr marL="457200" indent="0">
+            <a:lvl2pPr marL="380985" indent="0">
               <a:buNone/>
-              <a:defRPr sz="2800"/>
+              <a:defRPr sz="2333"/>
             </a:lvl2pPr>
-            <a:lvl3pPr marL="914400" indent="0">
-              <a:buNone/>
-              <a:defRPr sz="2400"/>
-            </a:lvl3pPr>
-            <a:lvl4pPr marL="1371600" indent="0">
+            <a:lvl3pPr marL="761970" indent="0">
               <a:buNone/>
               <a:defRPr sz="2000"/>
+            </a:lvl3pPr>
+            <a:lvl4pPr marL="1142954" indent="0">
+              <a:buNone/>
+              <a:defRPr sz="1667"/>
             </a:lvl4pPr>
-            <a:lvl5pPr marL="1828800" indent="0">
+            <a:lvl5pPr marL="1523939" indent="0">
               <a:buNone/>
-              <a:defRPr sz="2000"/>
+              <a:defRPr sz="1667"/>
             </a:lvl5pPr>
-            <a:lvl6pPr marL="2286000" indent="0">
+            <a:lvl6pPr marL="1904924" indent="0">
               <a:buNone/>
-              <a:defRPr sz="2000"/>
+              <a:defRPr sz="1667"/>
             </a:lvl6pPr>
-            <a:lvl7pPr marL="2743200" indent="0">
+            <a:lvl7pPr marL="2285909" indent="0">
               <a:buNone/>
-              <a:defRPr sz="2000"/>
+              <a:defRPr sz="1667"/>
             </a:lvl7pPr>
-            <a:lvl8pPr marL="3200400" indent="0">
+            <a:lvl8pPr marL="2666893" indent="0">
               <a:buNone/>
-              <a:defRPr sz="2000"/>
+              <a:defRPr sz="1667"/>
             </a:lvl8pPr>
-            <a:lvl9pPr marL="3657600" indent="0">
+            <a:lvl9pPr marL="3047878" indent="0">
               <a:buNone/>
-              <a:defRPr sz="2000"/>
+              <a:defRPr sz="1667"/>
             </a:lvl9pPr>
           </a:lstStyle>
           <a:p>
-            <a:endParaRPr lang="en-US"/>
+            <a:r>
+              <a:rPr lang="en-US" smtClean="0"/>
+              <a:t>Drag picture to placeholder or click icon to add</a:t>
+            </a:r>
+            <a:endParaRPr lang="en-IN"/>
           </a:p>
         </p:txBody>
       </p:sp>
@@ -4645,39 +5925,39 @@
           <a:lstStyle>
             <a:lvl1pPr marL="0" indent="0">
               <a:buNone/>
-              <a:defRPr sz="1400"/>
+              <a:defRPr sz="1167"/>
             </a:lvl1pPr>
-            <a:lvl2pPr marL="457200" indent="0">
-              <a:buNone/>
-              <a:defRPr sz="1200"/>
-            </a:lvl2pPr>
-            <a:lvl3pPr marL="914400" indent="0">
+            <a:lvl2pPr marL="380985" indent="0">
               <a:buNone/>
               <a:defRPr sz="1000"/>
+            </a:lvl2pPr>
+            <a:lvl3pPr marL="761970" indent="0">
+              <a:buNone/>
+              <a:defRPr sz="833"/>
             </a:lvl3pPr>
-            <a:lvl4pPr marL="1371600" indent="0">
+            <a:lvl4pPr marL="1142954" indent="0">
               <a:buNone/>
-              <a:defRPr sz="900"/>
+              <a:defRPr sz="750"/>
             </a:lvl4pPr>
-            <a:lvl5pPr marL="1828800" indent="0">
+            <a:lvl5pPr marL="1523939" indent="0">
               <a:buNone/>
-              <a:defRPr sz="900"/>
+              <a:defRPr sz="750"/>
             </a:lvl5pPr>
-            <a:lvl6pPr marL="2286000" indent="0">
+            <a:lvl6pPr marL="1904924" indent="0">
               <a:buNone/>
-              <a:defRPr sz="900"/>
+              <a:defRPr sz="750"/>
             </a:lvl6pPr>
-            <a:lvl7pPr marL="2743200" indent="0">
+            <a:lvl7pPr marL="2285909" indent="0">
               <a:buNone/>
-              <a:defRPr sz="900"/>
+              <a:defRPr sz="750"/>
             </a:lvl7pPr>
-            <a:lvl8pPr marL="3200400" indent="0">
+            <a:lvl8pPr marL="2666893" indent="0">
               <a:buNone/>
-              <a:defRPr sz="900"/>
+              <a:defRPr sz="750"/>
             </a:lvl8pPr>
-            <a:lvl9pPr marL="3657600" indent="0">
+            <a:lvl9pPr marL="3047878" indent="0">
               <a:buNone/>
-              <a:defRPr sz="900"/>
+              <a:defRPr sz="750"/>
             </a:lvl9pPr>
           </a:lstStyle>
           <a:p>
@@ -4707,7 +5987,7 @@
             <a:fld id="{1D8BD707-D9CF-40AE-B4C6-C98DA3205C09}" type="datetimeFigureOut">
               <a:rPr lang="en-US" smtClean="0"/>
               <a:pPr/>
-              <a:t>8/7/2015</a:t>
+              <a:t>8/7/15</a:t>
             </a:fld>
             <a:endParaRPr lang="en-US"/>
           </a:p>
@@ -4757,6 +6037,11 @@
         </p:txBody>
       </p:sp>
     </p:spTree>
+    <p:extLst>
+      <p:ext uri="{BB962C8B-B14F-4D97-AF65-F5344CB8AC3E}">
+        <p14:creationId xmlns:p14="http://schemas.microsoft.com/office/powerpoint/2010/main" val="716334471"/>
+      </p:ext>
+    </p:extLst>
   </p:cSld>
   <p:clrMapOvr>
     <a:masterClrMapping/>
@@ -4798,8 +6083,8 @@
         </p:nvSpPr>
         <p:spPr>
           <a:xfrm>
-            <a:off x="457200" y="274638"/>
-            <a:ext cx="8229600" cy="1143000"/>
+            <a:off x="107505" y="116633"/>
+            <a:ext cx="8928992" cy="576064"/>
           </a:xfrm>
           <a:prstGeom prst="rect">
             <a:avLst/>
@@ -4815,7 +6100,7 @@
               <a:rPr lang="en-US" smtClean="0"/>
               <a:t>Click to edit Master title style</a:t>
             </a:r>
-            <a:endParaRPr lang="en-US"/>
+            <a:endParaRPr lang="en-IN" dirty="0"/>
           </a:p>
         </p:txBody>
       </p:sp>
@@ -4831,8 +6116,8 @@
         </p:nvSpPr>
         <p:spPr>
           <a:xfrm>
-            <a:off x="457200" y="1600200"/>
-            <a:ext cx="8229600" cy="4525963"/>
+            <a:off x="107505" y="764704"/>
+            <a:ext cx="8928992" cy="5544616"/>
           </a:xfrm>
           <a:prstGeom prst="rect">
             <a:avLst/>
@@ -4877,7 +6162,7 @@
               <a:rPr lang="en-US" smtClean="0"/>
               <a:t>Fifth level</a:t>
             </a:r>
-            <a:endParaRPr lang="en-US"/>
+            <a:endParaRPr lang="en-IN" dirty="0"/>
           </a:p>
         </p:txBody>
       </p:sp>
@@ -4893,7 +6178,7 @@
         </p:nvSpPr>
         <p:spPr>
           <a:xfrm>
-            <a:off x="457200" y="6356350"/>
+            <a:off x="29388" y="6469087"/>
             <a:ext cx="2133600" cy="365125"/>
           </a:xfrm>
           <a:prstGeom prst="rect">
@@ -4904,7 +6189,7 @@
           <a:bodyPr vert="horz" lIns="91440" tIns="45720" rIns="91440" bIns="45720" rtlCol="0" anchor="ctr"/>
           <a:lstStyle>
             <a:lvl1pPr algn="l">
-              <a:defRPr sz="1200">
+              <a:defRPr sz="1000">
                 <a:solidFill>
                   <a:schemeClr val="tx1">
                     <a:tint val="75000"/>
@@ -4917,7 +6202,7 @@
             <a:fld id="{1D8BD707-D9CF-40AE-B4C6-C98DA3205C09}" type="datetimeFigureOut">
               <a:rPr lang="en-US" smtClean="0"/>
               <a:pPr/>
-              <a:t>8/7/2015</a:t>
+              <a:t>8/7/15</a:t>
             </a:fld>
             <a:endParaRPr lang="en-US"/>
           </a:p>
@@ -4935,7 +6220,7 @@
         </p:nvSpPr>
         <p:spPr>
           <a:xfrm>
-            <a:off x="3124200" y="6356350"/>
+            <a:off x="3147325" y="6469087"/>
             <a:ext cx="2895600" cy="365125"/>
           </a:xfrm>
           <a:prstGeom prst="rect">
@@ -4946,7 +6231,7 @@
           <a:bodyPr vert="horz" lIns="91440" tIns="45720" rIns="91440" bIns="45720" rtlCol="0" anchor="ctr"/>
           <a:lstStyle>
             <a:lvl1pPr algn="ctr">
-              <a:defRPr sz="1200">
+              <a:defRPr sz="1000">
                 <a:solidFill>
                   <a:schemeClr val="tx1">
                     <a:tint val="75000"/>
@@ -4972,7 +6257,7 @@
         </p:nvSpPr>
         <p:spPr>
           <a:xfrm>
-            <a:off x="6553200" y="6356350"/>
+            <a:off x="6873577" y="6474087"/>
             <a:ext cx="2133600" cy="365125"/>
           </a:xfrm>
           <a:prstGeom prst="rect">
@@ -4983,7 +6268,7 @@
           <a:bodyPr vert="horz" lIns="91440" tIns="45720" rIns="91440" bIns="45720" rtlCol="0" anchor="ctr"/>
           <a:lstStyle>
             <a:lvl1pPr algn="r">
-              <a:defRPr sz="1200">
+              <a:defRPr sz="1000">
                 <a:solidFill>
                   <a:schemeClr val="tx1">
                     <a:tint val="75000"/>
@@ -5003,29 +6288,35 @@
         </p:txBody>
       </p:sp>
     </p:spTree>
+    <p:extLst>
+      <p:ext uri="{BB962C8B-B14F-4D97-AF65-F5344CB8AC3E}">
+        <p14:creationId xmlns:p14="http://schemas.microsoft.com/office/powerpoint/2010/main" val="1983228458"/>
+      </p:ext>
+    </p:extLst>
   </p:cSld>
   <p:clrMap bg1="lt1" tx1="dk1" bg2="lt2" tx2="dk2" accent1="accent1" accent2="accent2" accent3="accent3" accent4="accent4" accent5="accent5" accent6="accent6" hlink="hlink" folHlink="folHlink"/>
   <p:sldLayoutIdLst>
-    <p:sldLayoutId id="2147483649" r:id="rId1"/>
-    <p:sldLayoutId id="2147483650" r:id="rId2"/>
-    <p:sldLayoutId id="2147483651" r:id="rId3"/>
-    <p:sldLayoutId id="2147483652" r:id="rId4"/>
-    <p:sldLayoutId id="2147483653" r:id="rId5"/>
-    <p:sldLayoutId id="2147483654" r:id="rId6"/>
-    <p:sldLayoutId id="2147483655" r:id="rId7"/>
-    <p:sldLayoutId id="2147483656" r:id="rId8"/>
-    <p:sldLayoutId id="2147483657" r:id="rId9"/>
-    <p:sldLayoutId id="2147483658" r:id="rId10"/>
-    <p:sldLayoutId id="2147483659" r:id="rId11"/>
+    <p:sldLayoutId id="2147483661" r:id="rId1"/>
+    <p:sldLayoutId id="2147483662" r:id="rId2"/>
+    <p:sldLayoutId id="2147483663" r:id="rId3"/>
+    <p:sldLayoutId id="2147483664" r:id="rId4"/>
+    <p:sldLayoutId id="2147483665" r:id="rId5"/>
+    <p:sldLayoutId id="2147483666" r:id="rId6"/>
+    <p:sldLayoutId id="2147483667" r:id="rId7"/>
+    <p:sldLayoutId id="2147483668" r:id="rId8"/>
+    <p:sldLayoutId id="2147483669" r:id="rId9"/>
+    <p:sldLayoutId id="2147483670" r:id="rId10"/>
+    <p:sldLayoutId id="2147483671" r:id="rId11"/>
+    <p:sldLayoutId id="2147483672" r:id="rId12"/>
   </p:sldLayoutIdLst>
   <p:txStyles>
     <p:titleStyle>
-      <a:lvl1pPr algn="ctr" defTabSz="914400" rtl="0" eaLnBrk="1" latinLnBrk="0" hangingPunct="1">
+      <a:lvl1pPr algn="l" defTabSz="761970" rtl="0" eaLnBrk="1" latinLnBrk="0" hangingPunct="1">
         <a:spcBef>
           <a:spcPct val="0"/>
         </a:spcBef>
         <a:buNone/>
-        <a:defRPr sz="4400" kern="1200">
+        <a:defRPr sz="2667" kern="1200">
           <a:solidFill>
             <a:schemeClr val="tx1"/>
           </a:solidFill>
@@ -5036,13 +6327,13 @@
       </a:lvl1pPr>
     </p:titleStyle>
     <p:bodyStyle>
-      <a:lvl1pPr marL="342900" indent="-342900" algn="l" defTabSz="914400" rtl="0" eaLnBrk="1" latinLnBrk="0" hangingPunct="1">
+      <a:lvl1pPr marL="285739" indent="-285739" algn="l" defTabSz="761970" rtl="0" eaLnBrk="1" latinLnBrk="0" hangingPunct="1">
         <a:spcBef>
           <a:spcPct val="20000"/>
         </a:spcBef>
-        <a:buFont typeface="Arial" pitchFamily="34" charset="0"/>
+        <a:buFont typeface="Arial" panose="020B0604020202020204" pitchFamily="34" charset="0"/>
         <a:buChar char="•"/>
-        <a:defRPr sz="3200" kern="1200">
+        <a:defRPr sz="1833" kern="1200">
           <a:solidFill>
             <a:schemeClr val="tx1"/>
           </a:solidFill>
@@ -5051,13 +6342,13 @@
           <a:cs typeface="+mn-cs"/>
         </a:defRPr>
       </a:lvl1pPr>
-      <a:lvl2pPr marL="742950" indent="-285750" algn="l" defTabSz="914400" rtl="0" eaLnBrk="1" latinLnBrk="0" hangingPunct="1">
+      <a:lvl2pPr marL="619100" indent="-238115" algn="l" defTabSz="761970" rtl="0" eaLnBrk="1" latinLnBrk="0" hangingPunct="1">
         <a:spcBef>
           <a:spcPct val="20000"/>
         </a:spcBef>
-        <a:buFont typeface="Arial" pitchFamily="34" charset="0"/>
+        <a:buFont typeface="Arial" panose="020B0604020202020204" pitchFamily="34" charset="0"/>
         <a:buChar char="–"/>
-        <a:defRPr sz="2800" kern="1200">
+        <a:defRPr sz="1667" kern="1200">
           <a:solidFill>
             <a:schemeClr val="tx1"/>
           </a:solidFill>
@@ -5066,13 +6357,13 @@
           <a:cs typeface="+mn-cs"/>
         </a:defRPr>
       </a:lvl2pPr>
-      <a:lvl3pPr marL="1143000" indent="-228600" algn="l" defTabSz="914400" rtl="0" eaLnBrk="1" latinLnBrk="0" hangingPunct="1">
+      <a:lvl3pPr marL="952462" indent="-190492" algn="l" defTabSz="761970" rtl="0" eaLnBrk="1" latinLnBrk="0" hangingPunct="1">
         <a:spcBef>
           <a:spcPct val="20000"/>
         </a:spcBef>
-        <a:buFont typeface="Arial" pitchFamily="34" charset="0"/>
+        <a:buFont typeface="Arial" panose="020B0604020202020204" pitchFamily="34" charset="0"/>
         <a:buChar char="•"/>
-        <a:defRPr sz="2400" kern="1200">
+        <a:defRPr sz="1500" kern="1200">
           <a:solidFill>
             <a:schemeClr val="tx1"/>
           </a:solidFill>
@@ -5081,13 +6372,13 @@
           <a:cs typeface="+mn-cs"/>
         </a:defRPr>
       </a:lvl3pPr>
-      <a:lvl4pPr marL="1600200" indent="-228600" algn="l" defTabSz="914400" rtl="0" eaLnBrk="1" latinLnBrk="0" hangingPunct="1">
+      <a:lvl4pPr marL="1333447" indent="-190492" algn="l" defTabSz="761970" rtl="0" eaLnBrk="1" latinLnBrk="0" hangingPunct="1">
         <a:spcBef>
           <a:spcPct val="20000"/>
         </a:spcBef>
-        <a:buFont typeface="Arial" pitchFamily="34" charset="0"/>
+        <a:buFont typeface="Arial" panose="020B0604020202020204" pitchFamily="34" charset="0"/>
         <a:buChar char="–"/>
-        <a:defRPr sz="2000" kern="1200">
+        <a:defRPr sz="1333" kern="1200">
           <a:solidFill>
             <a:schemeClr val="tx1"/>
           </a:solidFill>
@@ -5096,13 +6387,13 @@
           <a:cs typeface="+mn-cs"/>
         </a:defRPr>
       </a:lvl4pPr>
-      <a:lvl5pPr marL="2057400" indent="-228600" algn="l" defTabSz="914400" rtl="0" eaLnBrk="1" latinLnBrk="0" hangingPunct="1">
+      <a:lvl5pPr marL="1714431" indent="-190492" algn="l" defTabSz="761970" rtl="0" eaLnBrk="1" latinLnBrk="0" hangingPunct="1">
         <a:spcBef>
           <a:spcPct val="20000"/>
         </a:spcBef>
-        <a:buFont typeface="Arial" pitchFamily="34" charset="0"/>
+        <a:buFont typeface="Arial" panose="020B0604020202020204" pitchFamily="34" charset="0"/>
         <a:buChar char="»"/>
-        <a:defRPr sz="2000" kern="1200">
+        <a:defRPr sz="1167" kern="1200">
           <a:solidFill>
             <a:schemeClr val="tx1"/>
           </a:solidFill>
@@ -5111,13 +6402,13 @@
           <a:cs typeface="+mn-cs"/>
         </a:defRPr>
       </a:lvl5pPr>
-      <a:lvl6pPr marL="2514600" indent="-228600" algn="l" defTabSz="914400" rtl="0" eaLnBrk="1" latinLnBrk="0" hangingPunct="1">
+      <a:lvl6pPr marL="2095416" indent="-190492" algn="l" defTabSz="761970" rtl="0" eaLnBrk="1" latinLnBrk="0" hangingPunct="1">
         <a:spcBef>
           <a:spcPct val="20000"/>
         </a:spcBef>
-        <a:buFont typeface="Arial" pitchFamily="34" charset="0"/>
+        <a:buFont typeface="Arial" panose="020B0604020202020204" pitchFamily="34" charset="0"/>
         <a:buChar char="•"/>
-        <a:defRPr sz="2000" kern="1200">
+        <a:defRPr sz="1667" kern="1200">
           <a:solidFill>
             <a:schemeClr val="tx1"/>
           </a:solidFill>
@@ -5126,13 +6417,13 @@
           <a:cs typeface="+mn-cs"/>
         </a:defRPr>
       </a:lvl6pPr>
-      <a:lvl7pPr marL="2971800" indent="-228600" algn="l" defTabSz="914400" rtl="0" eaLnBrk="1" latinLnBrk="0" hangingPunct="1">
+      <a:lvl7pPr marL="2476401" indent="-190492" algn="l" defTabSz="761970" rtl="0" eaLnBrk="1" latinLnBrk="0" hangingPunct="1">
         <a:spcBef>
           <a:spcPct val="20000"/>
         </a:spcBef>
-        <a:buFont typeface="Arial" pitchFamily="34" charset="0"/>
+        <a:buFont typeface="Arial" panose="020B0604020202020204" pitchFamily="34" charset="0"/>
         <a:buChar char="•"/>
-        <a:defRPr sz="2000" kern="1200">
+        <a:defRPr sz="1667" kern="1200">
           <a:solidFill>
             <a:schemeClr val="tx1"/>
           </a:solidFill>
@@ -5141,13 +6432,13 @@
           <a:cs typeface="+mn-cs"/>
         </a:defRPr>
       </a:lvl7pPr>
-      <a:lvl8pPr marL="3429000" indent="-228600" algn="l" defTabSz="914400" rtl="0" eaLnBrk="1" latinLnBrk="0" hangingPunct="1">
+      <a:lvl8pPr marL="2857386" indent="-190492" algn="l" defTabSz="761970" rtl="0" eaLnBrk="1" latinLnBrk="0" hangingPunct="1">
         <a:spcBef>
           <a:spcPct val="20000"/>
         </a:spcBef>
-        <a:buFont typeface="Arial" pitchFamily="34" charset="0"/>
+        <a:buFont typeface="Arial" panose="020B0604020202020204" pitchFamily="34" charset="0"/>
         <a:buChar char="•"/>
-        <a:defRPr sz="2000" kern="1200">
+        <a:defRPr sz="1667" kern="1200">
           <a:solidFill>
             <a:schemeClr val="tx1"/>
           </a:solidFill>
@@ -5156,13 +6447,13 @@
           <a:cs typeface="+mn-cs"/>
         </a:defRPr>
       </a:lvl8pPr>
-      <a:lvl9pPr marL="3886200" indent="-228600" algn="l" defTabSz="914400" rtl="0" eaLnBrk="1" latinLnBrk="0" hangingPunct="1">
+      <a:lvl9pPr marL="3238370" indent="-190492" algn="l" defTabSz="761970" rtl="0" eaLnBrk="1" latinLnBrk="0" hangingPunct="1">
         <a:spcBef>
           <a:spcPct val="20000"/>
         </a:spcBef>
-        <a:buFont typeface="Arial" pitchFamily="34" charset="0"/>
+        <a:buFont typeface="Arial" panose="020B0604020202020204" pitchFamily="34" charset="0"/>
         <a:buChar char="•"/>
-        <a:defRPr sz="2000" kern="1200">
+        <a:defRPr sz="1667" kern="1200">
           <a:solidFill>
             <a:schemeClr val="tx1"/>
           </a:solidFill>
@@ -5176,8 +6467,8 @@
       <a:defPPr>
         <a:defRPr lang="en-US"/>
       </a:defPPr>
-      <a:lvl1pPr marL="0" algn="l" defTabSz="914400" rtl="0" eaLnBrk="1" latinLnBrk="0" hangingPunct="1">
-        <a:defRPr sz="1800" kern="1200">
+      <a:lvl1pPr marL="0" algn="l" defTabSz="761970" rtl="0" eaLnBrk="1" latinLnBrk="0" hangingPunct="1">
+        <a:defRPr sz="1500" kern="1200">
           <a:solidFill>
             <a:schemeClr val="tx1"/>
           </a:solidFill>
@@ -5186,8 +6477,8 @@
           <a:cs typeface="+mn-cs"/>
         </a:defRPr>
       </a:lvl1pPr>
-      <a:lvl2pPr marL="457200" algn="l" defTabSz="914400" rtl="0" eaLnBrk="1" latinLnBrk="0" hangingPunct="1">
-        <a:defRPr sz="1800" kern="1200">
+      <a:lvl2pPr marL="380985" algn="l" defTabSz="761970" rtl="0" eaLnBrk="1" latinLnBrk="0" hangingPunct="1">
+        <a:defRPr sz="1500" kern="1200">
           <a:solidFill>
             <a:schemeClr val="tx1"/>
           </a:solidFill>
@@ -5196,8 +6487,8 @@
           <a:cs typeface="+mn-cs"/>
         </a:defRPr>
       </a:lvl2pPr>
-      <a:lvl3pPr marL="914400" algn="l" defTabSz="914400" rtl="0" eaLnBrk="1" latinLnBrk="0" hangingPunct="1">
-        <a:defRPr sz="1800" kern="1200">
+      <a:lvl3pPr marL="761970" algn="l" defTabSz="761970" rtl="0" eaLnBrk="1" latinLnBrk="0" hangingPunct="1">
+        <a:defRPr sz="1500" kern="1200">
           <a:solidFill>
             <a:schemeClr val="tx1"/>
           </a:solidFill>
@@ -5206,8 +6497,8 @@
           <a:cs typeface="+mn-cs"/>
         </a:defRPr>
       </a:lvl3pPr>
-      <a:lvl4pPr marL="1371600" algn="l" defTabSz="914400" rtl="0" eaLnBrk="1" latinLnBrk="0" hangingPunct="1">
-        <a:defRPr sz="1800" kern="1200">
+      <a:lvl4pPr marL="1142954" algn="l" defTabSz="761970" rtl="0" eaLnBrk="1" latinLnBrk="0" hangingPunct="1">
+        <a:defRPr sz="1500" kern="1200">
           <a:solidFill>
             <a:schemeClr val="tx1"/>
           </a:solidFill>
@@ -5216,8 +6507,8 @@
           <a:cs typeface="+mn-cs"/>
         </a:defRPr>
       </a:lvl4pPr>
-      <a:lvl5pPr marL="1828800" algn="l" defTabSz="914400" rtl="0" eaLnBrk="1" latinLnBrk="0" hangingPunct="1">
-        <a:defRPr sz="1800" kern="1200">
+      <a:lvl5pPr marL="1523939" algn="l" defTabSz="761970" rtl="0" eaLnBrk="1" latinLnBrk="0" hangingPunct="1">
+        <a:defRPr sz="1500" kern="1200">
           <a:solidFill>
             <a:schemeClr val="tx1"/>
           </a:solidFill>
@@ -5226,8 +6517,8 @@
           <a:cs typeface="+mn-cs"/>
         </a:defRPr>
       </a:lvl5pPr>
-      <a:lvl6pPr marL="2286000" algn="l" defTabSz="914400" rtl="0" eaLnBrk="1" latinLnBrk="0" hangingPunct="1">
-        <a:defRPr sz="1800" kern="1200">
+      <a:lvl6pPr marL="1904924" algn="l" defTabSz="761970" rtl="0" eaLnBrk="1" latinLnBrk="0" hangingPunct="1">
+        <a:defRPr sz="1500" kern="1200">
           <a:solidFill>
             <a:schemeClr val="tx1"/>
           </a:solidFill>
@@ -5236,8 +6527,8 @@
           <a:cs typeface="+mn-cs"/>
         </a:defRPr>
       </a:lvl6pPr>
-      <a:lvl7pPr marL="2743200" algn="l" defTabSz="914400" rtl="0" eaLnBrk="1" latinLnBrk="0" hangingPunct="1">
-        <a:defRPr sz="1800" kern="1200">
+      <a:lvl7pPr marL="2285909" algn="l" defTabSz="761970" rtl="0" eaLnBrk="1" latinLnBrk="0" hangingPunct="1">
+        <a:defRPr sz="1500" kern="1200">
           <a:solidFill>
             <a:schemeClr val="tx1"/>
           </a:solidFill>
@@ -5246,8 +6537,8 @@
           <a:cs typeface="+mn-cs"/>
         </a:defRPr>
       </a:lvl7pPr>
-      <a:lvl8pPr marL="3200400" algn="l" defTabSz="914400" rtl="0" eaLnBrk="1" latinLnBrk="0" hangingPunct="1">
-        <a:defRPr sz="1800" kern="1200">
+      <a:lvl8pPr marL="2666893" algn="l" defTabSz="761970" rtl="0" eaLnBrk="1" latinLnBrk="0" hangingPunct="1">
+        <a:defRPr sz="1500" kern="1200">
           <a:solidFill>
             <a:schemeClr val="tx1"/>
           </a:solidFill>
@@ -5256,8 +6547,8 @@
           <a:cs typeface="+mn-cs"/>
         </a:defRPr>
       </a:lvl8pPr>
-      <a:lvl9pPr marL="3657600" algn="l" defTabSz="914400" rtl="0" eaLnBrk="1" latinLnBrk="0" hangingPunct="1">
-        <a:defRPr sz="1800" kern="1200">
+      <a:lvl9pPr marL="3047878" algn="l" defTabSz="761970" rtl="0" eaLnBrk="1" latinLnBrk="0" hangingPunct="1">
+        <a:defRPr sz="1500" kern="1200">
           <a:solidFill>
             <a:schemeClr val="tx1"/>
           </a:solidFill>
@@ -6166,25 +7457,6 @@
           </a:p>
         </p:txBody>
       </p:sp>
-      <p:sp>
-        <p:nvSpPr>
-          <p:cNvPr id="3" name="Text Placeholder 2"/>
-          <p:cNvSpPr>
-            <a:spLocks noGrp="1"/>
-          </p:cNvSpPr>
-          <p:nvPr>
-            <p:ph type="body" idx="1"/>
-          </p:nvPr>
-        </p:nvSpPr>
-        <p:spPr/>
-        <p:txBody>
-          <a:bodyPr/>
-          <a:lstStyle/>
-          <a:p>
-            <a:endParaRPr lang="en-US"/>
-          </a:p>
-        </p:txBody>
-      </p:sp>
     </p:spTree>
     <p:extLst>
       <p:ext uri="{BB962C8B-B14F-4D97-AF65-F5344CB8AC3E}">
@@ -6217,25 +7489,6 @@
       </p:grpSpPr>
       <p:sp>
         <p:nvSpPr>
-          <p:cNvPr id="2" name="Title 1"/>
-          <p:cNvSpPr>
-            <a:spLocks noGrp="1"/>
-          </p:cNvSpPr>
-          <p:nvPr>
-            <p:ph type="title"/>
-          </p:nvPr>
-        </p:nvSpPr>
-        <p:spPr/>
-        <p:txBody>
-          <a:bodyPr/>
-          <a:lstStyle/>
-          <a:p>
-            <a:endParaRPr lang="en-US"/>
-          </a:p>
-        </p:txBody>
-      </p:sp>
-      <p:sp>
-        <p:nvSpPr>
           <p:cNvPr id="3" name="Content Placeholder 2"/>
           <p:cNvSpPr>
             <a:spLocks noGrp="1"/>
@@ -6329,17 +7582,18 @@
         <p:spPr/>
         <p:txBody>
           <a:bodyPr>
-            <a:normAutofit fontScale="90000"/>
+            <a:normAutofit/>
           </a:bodyPr>
           <a:lstStyle/>
           <a:p>
             <a:r>
               <a:rPr lang="en-US" dirty="0"/>
-              <a:t>Neutron Specific Commandments</a:t>
-            </a:r>
-            <a:br>
-              <a:rPr lang="en-US" dirty="0"/>
-            </a:br>
+              <a:t>Neutron Specific </a:t>
+            </a:r>
+            <a:r>
+              <a:rPr lang="en-US" dirty="0" smtClean="0"/>
+              <a:t>Commandments</a:t>
+            </a:r>
             <a:endParaRPr lang="en-US" dirty="0"/>
           </a:p>
         </p:txBody>
@@ -6446,7 +7700,7 @@
         </p:nvSpPr>
         <p:spPr>
           <a:xfrm>
-            <a:off x="1219200" y="228599"/>
+            <a:off x="228600" y="228600"/>
             <a:ext cx="6324600" cy="3139321"/>
           </a:xfrm>
           <a:prstGeom prst="rect">
@@ -6678,7 +7932,7 @@
         </p:nvSpPr>
         <p:spPr>
           <a:xfrm>
-            <a:off x="0" y="304800"/>
+            <a:off x="152400" y="838200"/>
             <a:ext cx="4572000" cy="1477328"/>
           </a:xfrm>
           <a:prstGeom prst="rect">
@@ -6814,25 +8068,6 @@
           </a:p>
         </p:txBody>
       </p:sp>
-      <p:sp>
-        <p:nvSpPr>
-          <p:cNvPr id="3" name="Text Placeholder 2"/>
-          <p:cNvSpPr>
-            <a:spLocks noGrp="1"/>
-          </p:cNvSpPr>
-          <p:nvPr>
-            <p:ph type="body" idx="1"/>
-          </p:nvPr>
-        </p:nvSpPr>
-        <p:spPr/>
-        <p:txBody>
-          <a:bodyPr/>
-          <a:lstStyle/>
-          <a:p>
-            <a:endParaRPr lang="en-US"/>
-          </a:p>
-        </p:txBody>
-      </p:sp>
     </p:spTree>
     <p:extLst>
       <p:ext uri="{BB962C8B-B14F-4D97-AF65-F5344CB8AC3E}">
@@ -6899,7 +8134,7 @@
         <p:spPr/>
         <p:txBody>
           <a:bodyPr>
-            <a:normAutofit lnSpcReduction="10000"/>
+            <a:normAutofit/>
           </a:bodyPr>
           <a:lstStyle/>
           <a:p>
@@ -7003,13 +8238,13 @@
         </p:nvSpPr>
         <p:spPr>
           <a:xfrm>
-            <a:off x="457200" y="-152400"/>
-            <a:ext cx="8229600" cy="1143000"/>
+            <a:off x="39757" y="39757"/>
+            <a:ext cx="8647043" cy="646043"/>
           </a:xfrm>
         </p:spPr>
         <p:txBody>
           <a:bodyPr>
-            <a:normAutofit fontScale="90000"/>
+            <a:normAutofit/>
           </a:bodyPr>
           <a:lstStyle/>
           <a:p>
@@ -7043,7 +8278,7 @@
         </p:spPr>
         <p:txBody>
           <a:bodyPr>
-            <a:normAutofit lnSpcReduction="10000"/>
+            <a:normAutofit/>
           </a:bodyPr>
           <a:lstStyle/>
           <a:p>
@@ -8657,8 +9892,8 @@
         </p:nvSpPr>
         <p:spPr bwMode="auto">
           <a:xfrm>
-            <a:off x="0" y="-23479"/>
-            <a:ext cx="5545172" cy="1059163"/>
+            <a:off x="79512" y="21391"/>
+            <a:ext cx="6626087" cy="1059163"/>
           </a:xfrm>
           <a:prstGeom prst="rect">
             <a:avLst/>
@@ -8698,7 +9933,7 @@
           </a:extLst>
         </p:spPr>
         <p:txBody>
-          <a:bodyPr vert="horz" wrap="none" lIns="0" tIns="158700" rIns="0" bIns="158700" numCol="1" anchor="ctr" anchorCtr="0" compatLnSpc="1">
+          <a:bodyPr vert="horz" wrap="square" lIns="0" tIns="158700" rIns="0" bIns="158700" numCol="1" anchor="ctr" anchorCtr="0" compatLnSpc="1">
             <a:prstTxWarp prst="textNoShape">
               <a:avLst/>
             </a:prstTxWarp>
@@ -8723,7 +9958,7 @@
               <a:tabLst/>
             </a:pPr>
             <a:r>
-              <a:rPr kumimoji="0" lang="en-US" sz="1600" b="1" i="0" u="none" strike="noStrike" cap="none" normalizeH="0" baseline="0" smtClean="0">
+              <a:rPr kumimoji="0" lang="en-US" sz="1600" b="1" i="0" u="none" strike="noStrike" cap="none" normalizeH="0" baseline="0" dirty="0" smtClean="0">
                 <a:ln>
                   <a:noFill/>
                 </a:ln>
@@ -8736,7 +9971,7 @@
               </a:rPr>
               <a:t>List Networking extensions</a:t>
             </a:r>
-            <a:endParaRPr kumimoji="0" lang="en-US" sz="1400" b="0" i="0" u="none" strike="noStrike" cap="none" normalizeH="0" baseline="0" smtClean="0">
+            <a:endParaRPr kumimoji="0" lang="en-US" sz="1400" b="0" i="0" u="none" strike="noStrike" cap="none" normalizeH="0" baseline="0" dirty="0" smtClean="0">
               <a:ln>
                 <a:noFill/>
               </a:ln>
@@ -8766,7 +10001,7 @@
               <a:tabLst/>
             </a:pPr>
             <a:r>
-              <a:rPr kumimoji="0" lang="en-US" sz="1600" b="0" i="0" u="none" strike="noStrike" cap="none" normalizeH="0" baseline="0" smtClean="0">
+              <a:rPr kumimoji="0" lang="en-US" sz="1600" b="0" i="0" u="none" strike="noStrike" cap="none" normalizeH="0" baseline="0" dirty="0" smtClean="0">
                 <a:ln>
                   <a:noFill/>
                 </a:ln>
@@ -8779,7 +10014,7 @@
               </a:rPr>
               <a:t>To list the Networking extensions, run this command:</a:t>
             </a:r>
-            <a:endParaRPr kumimoji="0" lang="en-US" sz="1600" b="0" i="0" u="none" strike="noStrike" cap="none" normalizeH="0" baseline="0" smtClean="0">
+            <a:endParaRPr kumimoji="0" lang="en-US" sz="1600" b="0" i="0" u="none" strike="noStrike" cap="none" normalizeH="0" baseline="0" dirty="0" smtClean="0">
               <a:ln>
                 <a:noFill/>
               </a:ln>
@@ -8809,7 +10044,7 @@
               <a:tabLst/>
             </a:pPr>
             <a:r>
-              <a:rPr kumimoji="0" lang="en-US" sz="1600" b="0" i="0" u="none" strike="noStrike" cap="none" normalizeH="0" baseline="0" smtClean="0">
+              <a:rPr kumimoji="0" lang="en-US" sz="1600" b="0" i="0" u="none" strike="noStrike" cap="none" normalizeH="0" baseline="0" dirty="0" smtClean="0">
                 <a:ln>
                   <a:noFill/>
                 </a:ln>
@@ -8820,10 +10055,38 @@
                 <a:latin typeface="Monaco"/>
                 <a:cs typeface="Arial" pitchFamily="34" charset="0"/>
               </a:rPr>
-              <a:t>$ neutron ext-list -c alias -c name</a:t>
-            </a:r>
-            <a:r>
-              <a:rPr kumimoji="0" lang="en-US" sz="1400" b="0" i="0" u="none" strike="noStrike" cap="none" normalizeH="0" baseline="0" smtClean="0">
+              <a:t>$ neutron </a:t>
+            </a:r>
+            <a:r>
+              <a:rPr kumimoji="0" lang="en-US" sz="1600" b="0" i="0" u="none" strike="noStrike" cap="none" normalizeH="0" baseline="0" dirty="0" err="1" smtClean="0">
+                <a:ln>
+                  <a:noFill/>
+                </a:ln>
+                <a:solidFill>
+                  <a:srgbClr val="23302D"/>
+                </a:solidFill>
+                <a:effectLst/>
+                <a:latin typeface="Monaco"/>
+                <a:cs typeface="Arial" pitchFamily="34" charset="0"/>
+              </a:rPr>
+              <a:t>ext</a:t>
+            </a:r>
+            <a:r>
+              <a:rPr kumimoji="0" lang="en-US" sz="1600" b="0" i="0" u="none" strike="noStrike" cap="none" normalizeH="0" baseline="0" dirty="0" smtClean="0">
+                <a:ln>
+                  <a:noFill/>
+                </a:ln>
+                <a:solidFill>
+                  <a:srgbClr val="23302D"/>
+                </a:solidFill>
+                <a:effectLst/>
+                <a:latin typeface="Monaco"/>
+                <a:cs typeface="Arial" pitchFamily="34" charset="0"/>
+              </a:rPr>
+              <a:t>-list -c alias -c name</a:t>
+            </a:r>
+            <a:r>
+              <a:rPr kumimoji="0" lang="en-US" sz="1400" b="0" i="0" u="none" strike="noStrike" cap="none" normalizeH="0" baseline="0" dirty="0" smtClean="0">
                 <a:ln>
                   <a:noFill/>
                 </a:ln>
@@ -8836,7 +10099,7 @@
               </a:rPr>
               <a:t> </a:t>
             </a:r>
-            <a:endParaRPr kumimoji="0" lang="en-US" sz="4000" b="0" i="0" u="none" strike="noStrike" cap="none" normalizeH="0" baseline="0" smtClean="0">
+            <a:endParaRPr kumimoji="0" lang="en-US" sz="4000" b="0" i="0" u="none" strike="noStrike" cap="none" normalizeH="0" baseline="0" dirty="0" smtClean="0">
               <a:ln>
                 <a:noFill/>
               </a:ln>
@@ -8858,8 +10121,8 @@
         </p:nvSpPr>
         <p:spPr>
           <a:xfrm>
-            <a:off x="3810000" y="838200"/>
-            <a:ext cx="4572000" cy="2893100"/>
+            <a:off x="3962400" y="1080554"/>
+            <a:ext cx="4572000" cy="2292935"/>
           </a:xfrm>
           <a:prstGeom prst="rect">
             <a:avLst/>
@@ -8872,195 +10135,393 @@
           <a:lstStyle/>
           <a:p>
             <a:r>
-              <a:rPr lang="en-US" sz="1400" dirty="0"/>
+              <a:rPr lang="en-US" sz="1100" dirty="0">
+                <a:latin typeface="Courier New" charset="0"/>
+                <a:ea typeface="Courier New" charset="0"/>
+                <a:cs typeface="Courier New" charset="0"/>
+              </a:rPr>
               <a:t>+-----------------+--------------------------+</a:t>
             </a:r>
           </a:p>
           <a:p>
             <a:r>
-              <a:rPr lang="en-US" sz="1400" dirty="0"/>
+              <a:rPr lang="en-US" sz="1100" dirty="0">
+                <a:latin typeface="Courier New" charset="0"/>
+                <a:ea typeface="Courier New" charset="0"/>
+                <a:cs typeface="Courier New" charset="0"/>
+              </a:rPr>
               <a:t>| alias          </a:t>
             </a:r>
             <a:r>
-              <a:rPr lang="en-US" sz="1400" dirty="0" smtClean="0"/>
-              <a:t>             </a:t>
-            </a:r>
-            <a:r>
-              <a:rPr lang="en-US" sz="1400" dirty="0"/>
-              <a:t>| name                     |</a:t>
-            </a:r>
-          </a:p>
-          <a:p>
-            <a:r>
-              <a:rPr lang="en-US" sz="1400" dirty="0"/>
+              <a:rPr lang="en-US" sz="1100" dirty="0" smtClean="0">
+                <a:latin typeface="Courier New" charset="0"/>
+                <a:ea typeface="Courier New" charset="0"/>
+                <a:cs typeface="Courier New" charset="0"/>
+              </a:rPr>
+              <a:t> </a:t>
+            </a:r>
+            <a:r>
+              <a:rPr lang="en-US" sz="1100" dirty="0" smtClean="0">
+                <a:latin typeface="Courier New" charset="0"/>
+                <a:ea typeface="Courier New" charset="0"/>
+                <a:cs typeface="Courier New" charset="0"/>
+              </a:rPr>
+              <a:t>| </a:t>
+            </a:r>
+            <a:r>
+              <a:rPr lang="en-US" sz="1100" dirty="0">
+                <a:latin typeface="Courier New" charset="0"/>
+                <a:ea typeface="Courier New" charset="0"/>
+                <a:cs typeface="Courier New" charset="0"/>
+              </a:rPr>
+              <a:t>name         </a:t>
+            </a:r>
+            <a:r>
+              <a:rPr lang="en-US" sz="1100" dirty="0" smtClean="0">
+                <a:latin typeface="Courier New" charset="0"/>
+                <a:ea typeface="Courier New" charset="0"/>
+                <a:cs typeface="Courier New" charset="0"/>
+              </a:rPr>
+              <a:t>            |</a:t>
+            </a:r>
+            <a:endParaRPr lang="en-US" sz="1100" dirty="0">
+              <a:latin typeface="Courier New" charset="0"/>
+              <a:ea typeface="Courier New" charset="0"/>
+              <a:cs typeface="Courier New" charset="0"/>
+            </a:endParaRPr>
+          </a:p>
+          <a:p>
+            <a:r>
+              <a:rPr lang="en-US" sz="1100" dirty="0">
+                <a:latin typeface="Courier New" charset="0"/>
+                <a:ea typeface="Courier New" charset="0"/>
+                <a:cs typeface="Courier New" charset="0"/>
+              </a:rPr>
               <a:t>+-----------------+--------------------------+</a:t>
             </a:r>
           </a:p>
           <a:p>
             <a:r>
-              <a:rPr lang="en-US" sz="1400" dirty="0"/>
+              <a:rPr lang="en-US" sz="1100" dirty="0">
+                <a:latin typeface="Courier New" charset="0"/>
+                <a:ea typeface="Courier New" charset="0"/>
+                <a:cs typeface="Courier New" charset="0"/>
+              </a:rPr>
               <a:t>| </a:t>
             </a:r>
             <a:r>
-              <a:rPr lang="en-US" sz="1400" dirty="0" err="1"/>
+              <a:rPr lang="en-US" sz="1100" dirty="0" err="1">
+                <a:latin typeface="Courier New" charset="0"/>
+                <a:ea typeface="Courier New" charset="0"/>
+                <a:cs typeface="Courier New" charset="0"/>
+              </a:rPr>
               <a:t>agent_scheduler</a:t>
             </a:r>
             <a:r>
-              <a:rPr lang="en-US" sz="1400" dirty="0"/>
+              <a:rPr lang="en-US" sz="1100" dirty="0">
+                <a:latin typeface="Courier New" charset="0"/>
+                <a:ea typeface="Courier New" charset="0"/>
+                <a:cs typeface="Courier New" charset="0"/>
+              </a:rPr>
               <a:t> | Agent Schedulers         |</a:t>
             </a:r>
           </a:p>
           <a:p>
             <a:r>
-              <a:rPr lang="en-US" sz="1400" dirty="0"/>
+              <a:rPr lang="en-US" sz="1100" dirty="0">
+                <a:latin typeface="Courier New" charset="0"/>
+                <a:ea typeface="Courier New" charset="0"/>
+                <a:cs typeface="Courier New" charset="0"/>
+              </a:rPr>
               <a:t>| security-group  </a:t>
             </a:r>
             <a:r>
-              <a:rPr lang="en-US" sz="1400" dirty="0" smtClean="0"/>
-              <a:t>   | </a:t>
-            </a:r>
-            <a:r>
-              <a:rPr lang="en-US" sz="1400" dirty="0"/>
+              <a:rPr lang="en-US" sz="1100" dirty="0" smtClean="0">
+                <a:latin typeface="Courier New" charset="0"/>
+                <a:ea typeface="Courier New" charset="0"/>
+                <a:cs typeface="Courier New" charset="0"/>
+              </a:rPr>
+              <a:t>| </a:t>
+            </a:r>
+            <a:r>
+              <a:rPr lang="en-US" sz="1100" dirty="0">
+                <a:latin typeface="Courier New" charset="0"/>
+                <a:ea typeface="Courier New" charset="0"/>
+                <a:cs typeface="Courier New" charset="0"/>
+              </a:rPr>
               <a:t>security-group           |</a:t>
             </a:r>
           </a:p>
           <a:p>
             <a:r>
-              <a:rPr lang="en-US" sz="1400" dirty="0"/>
-              <a:t>| binding         </a:t>
-            </a:r>
-            <a:r>
-              <a:rPr lang="en-US" sz="1400" dirty="0" smtClean="0"/>
-              <a:t>         | </a:t>
-            </a:r>
-            <a:r>
-              <a:rPr lang="en-US" sz="1400" dirty="0"/>
+              <a:rPr lang="en-US" sz="1100" dirty="0">
+                <a:latin typeface="Courier New" charset="0"/>
+                <a:ea typeface="Courier New" charset="0"/>
+                <a:cs typeface="Courier New" charset="0"/>
+              </a:rPr>
+              <a:t>| </a:t>
+            </a:r>
+            <a:r>
+              <a:rPr lang="en-US" sz="1100" dirty="0" smtClean="0">
+                <a:latin typeface="Courier New" charset="0"/>
+                <a:ea typeface="Courier New" charset="0"/>
+                <a:cs typeface="Courier New" charset="0"/>
+              </a:rPr>
+              <a:t>binding         </a:t>
+            </a:r>
+            <a:r>
+              <a:rPr lang="en-US" sz="1100" dirty="0" smtClean="0">
+                <a:latin typeface="Courier New" charset="0"/>
+                <a:ea typeface="Courier New" charset="0"/>
+                <a:cs typeface="Courier New" charset="0"/>
+              </a:rPr>
+              <a:t>| </a:t>
+            </a:r>
+            <a:r>
+              <a:rPr lang="en-US" sz="1100" dirty="0">
+                <a:latin typeface="Courier New" charset="0"/>
+                <a:ea typeface="Courier New" charset="0"/>
+                <a:cs typeface="Courier New" charset="0"/>
+              </a:rPr>
               <a:t>Port Binding             |</a:t>
             </a:r>
           </a:p>
           <a:p>
             <a:r>
-              <a:rPr lang="en-US" sz="1400" dirty="0">
+              <a:rPr lang="en-US" sz="1100" dirty="0">
                 <a:solidFill>
                   <a:srgbClr val="FF0000"/>
                 </a:solidFill>
+                <a:latin typeface="Courier New" charset="0"/>
+                <a:ea typeface="Courier New" charset="0"/>
+                <a:cs typeface="Courier New" charset="0"/>
               </a:rPr>
               <a:t>| quotas          </a:t>
             </a:r>
             <a:r>
-              <a:rPr lang="en-US" sz="1400" dirty="0" smtClean="0">
+              <a:rPr lang="en-US" sz="1100" dirty="0" smtClean="0">
                 <a:solidFill>
                   <a:srgbClr val="FF0000"/>
                 </a:solidFill>
+                <a:latin typeface="Courier New" charset="0"/>
+                <a:ea typeface="Courier New" charset="0"/>
+                <a:cs typeface="Courier New" charset="0"/>
               </a:rPr>
-              <a:t>         | </a:t>
-            </a:r>
-            <a:r>
-              <a:rPr lang="en-US" sz="1400" dirty="0">
+              <a:t>| </a:t>
+            </a:r>
+            <a:r>
+              <a:rPr lang="en-US" sz="1100" dirty="0">
                 <a:solidFill>
                   <a:srgbClr val="FF0000"/>
                 </a:solidFill>
+                <a:latin typeface="Courier New" charset="0"/>
+                <a:ea typeface="Courier New" charset="0"/>
+                <a:cs typeface="Courier New" charset="0"/>
               </a:rPr>
               <a:t>Quota management support |</a:t>
             </a:r>
           </a:p>
           <a:p>
             <a:r>
-              <a:rPr lang="en-US" sz="1400" dirty="0"/>
+              <a:rPr lang="en-US" sz="1100" dirty="0">
+                <a:latin typeface="Courier New" charset="0"/>
+                <a:ea typeface="Courier New" charset="0"/>
+                <a:cs typeface="Courier New" charset="0"/>
+              </a:rPr>
               <a:t>| agent           </a:t>
             </a:r>
             <a:r>
-              <a:rPr lang="en-US" sz="1400" dirty="0" smtClean="0"/>
-              <a:t>          | </a:t>
-            </a:r>
-            <a:r>
-              <a:rPr lang="en-US" sz="1400" dirty="0"/>
+              <a:rPr lang="en-US" sz="1100" dirty="0" smtClean="0">
+                <a:latin typeface="Courier New" charset="0"/>
+                <a:ea typeface="Courier New" charset="0"/>
+                <a:cs typeface="Courier New" charset="0"/>
+              </a:rPr>
+              <a:t>| </a:t>
+            </a:r>
+            <a:r>
+              <a:rPr lang="en-US" sz="1100" dirty="0">
+                <a:latin typeface="Courier New" charset="0"/>
+                <a:ea typeface="Courier New" charset="0"/>
+                <a:cs typeface="Courier New" charset="0"/>
+              </a:rPr>
               <a:t>agent                    |</a:t>
             </a:r>
           </a:p>
           <a:p>
             <a:r>
-              <a:rPr lang="en-US" sz="1400" dirty="0"/>
+              <a:rPr lang="en-US" sz="1100" dirty="0">
+                <a:latin typeface="Courier New" charset="0"/>
+                <a:ea typeface="Courier New" charset="0"/>
+                <a:cs typeface="Courier New" charset="0"/>
+              </a:rPr>
               <a:t>| provider        </a:t>
             </a:r>
             <a:r>
-              <a:rPr lang="en-US" sz="1400" dirty="0" smtClean="0"/>
-              <a:t>        | </a:t>
-            </a:r>
-            <a:r>
-              <a:rPr lang="en-US" sz="1400" dirty="0"/>
+              <a:rPr lang="en-US" sz="1100" dirty="0" smtClean="0">
+                <a:latin typeface="Courier New" charset="0"/>
+                <a:ea typeface="Courier New" charset="0"/>
+                <a:cs typeface="Courier New" charset="0"/>
+              </a:rPr>
+              <a:t>| </a:t>
+            </a:r>
+            <a:r>
+              <a:rPr lang="en-US" sz="1100" dirty="0">
+                <a:latin typeface="Courier New" charset="0"/>
+                <a:ea typeface="Courier New" charset="0"/>
+                <a:cs typeface="Courier New" charset="0"/>
+              </a:rPr>
               <a:t>Provider Network         |</a:t>
             </a:r>
           </a:p>
           <a:p>
             <a:r>
-              <a:rPr lang="en-US" sz="1400" dirty="0"/>
+              <a:rPr lang="en-US" sz="1100" dirty="0">
+                <a:latin typeface="Courier New" charset="0"/>
+                <a:ea typeface="Courier New" charset="0"/>
+                <a:cs typeface="Courier New" charset="0"/>
+              </a:rPr>
               <a:t>| router         </a:t>
             </a:r>
             <a:r>
-              <a:rPr lang="en-US" sz="1400" dirty="0" smtClean="0"/>
-              <a:t>           </a:t>
-            </a:r>
-            <a:r>
-              <a:rPr lang="en-US" sz="1400" dirty="0"/>
-              <a:t>| Neutron L3 Router        |</a:t>
-            </a:r>
-          </a:p>
-          <a:p>
-            <a:r>
-              <a:rPr lang="en-US" sz="1400" dirty="0"/>
+              <a:rPr lang="en-US" sz="1100" dirty="0" smtClean="0">
+                <a:latin typeface="Courier New" charset="0"/>
+                <a:ea typeface="Courier New" charset="0"/>
+                <a:cs typeface="Courier New" charset="0"/>
+              </a:rPr>
+              <a:t> </a:t>
+            </a:r>
+            <a:r>
+              <a:rPr lang="en-US" sz="1100" dirty="0" smtClean="0">
+                <a:latin typeface="Courier New" charset="0"/>
+                <a:ea typeface="Courier New" charset="0"/>
+                <a:cs typeface="Courier New" charset="0"/>
+              </a:rPr>
               <a:t>| </a:t>
             </a:r>
             <a:r>
-              <a:rPr lang="en-US" sz="1400" dirty="0" err="1"/>
+              <a:rPr lang="en-US" sz="1100" dirty="0">
+                <a:latin typeface="Courier New" charset="0"/>
+                <a:ea typeface="Courier New" charset="0"/>
+                <a:cs typeface="Courier New" charset="0"/>
+              </a:rPr>
+              <a:t>Neutron L3 Router        |</a:t>
+            </a:r>
+          </a:p>
+          <a:p>
+            <a:r>
+              <a:rPr lang="en-US" sz="1100" dirty="0">
+                <a:latin typeface="Courier New" charset="0"/>
+                <a:ea typeface="Courier New" charset="0"/>
+                <a:cs typeface="Courier New" charset="0"/>
+              </a:rPr>
+              <a:t>| </a:t>
+            </a:r>
+            <a:r>
+              <a:rPr lang="en-US" sz="1100" dirty="0" err="1">
+                <a:latin typeface="Courier New" charset="0"/>
+                <a:ea typeface="Courier New" charset="0"/>
+                <a:cs typeface="Courier New" charset="0"/>
+              </a:rPr>
               <a:t>lbaas</a:t>
             </a:r>
             <a:r>
-              <a:rPr lang="en-US" sz="1400" dirty="0"/>
+              <a:rPr lang="en-US" sz="1100" dirty="0">
+                <a:latin typeface="Courier New" charset="0"/>
+                <a:ea typeface="Courier New" charset="0"/>
+                <a:cs typeface="Courier New" charset="0"/>
+              </a:rPr>
               <a:t>          </a:t>
             </a:r>
             <a:r>
-              <a:rPr lang="en-US" sz="1400" dirty="0" smtClean="0"/>
-              <a:t>            </a:t>
-            </a:r>
-            <a:r>
-              <a:rPr lang="en-US" sz="1400" dirty="0"/>
+              <a:rPr lang="en-US" sz="1100" dirty="0" smtClean="0">
+                <a:latin typeface="Courier New" charset="0"/>
+                <a:ea typeface="Courier New" charset="0"/>
+                <a:cs typeface="Courier New" charset="0"/>
+              </a:rPr>
+              <a:t> </a:t>
+            </a:r>
+            <a:r>
+              <a:rPr lang="en-US" sz="1100" dirty="0" smtClean="0">
+                <a:latin typeface="Courier New" charset="0"/>
+                <a:ea typeface="Courier New" charset="0"/>
+                <a:cs typeface="Courier New" charset="0"/>
+              </a:rPr>
               <a:t>| </a:t>
             </a:r>
             <a:r>
-              <a:rPr lang="en-US" sz="1400" dirty="0" err="1"/>
+              <a:rPr lang="en-US" sz="1100" dirty="0" err="1">
+                <a:latin typeface="Courier New" charset="0"/>
+                <a:ea typeface="Courier New" charset="0"/>
+                <a:cs typeface="Courier New" charset="0"/>
+              </a:rPr>
               <a:t>LoadBalancing</a:t>
             </a:r>
             <a:r>
-              <a:rPr lang="en-US" sz="1400" dirty="0"/>
+              <a:rPr lang="en-US" sz="1100" dirty="0">
+                <a:latin typeface="Courier New" charset="0"/>
+                <a:ea typeface="Courier New" charset="0"/>
+                <a:cs typeface="Courier New" charset="0"/>
+              </a:rPr>
               <a:t> service    |</a:t>
             </a:r>
           </a:p>
           <a:p>
             <a:r>
-              <a:rPr lang="en-US" sz="1400" dirty="0"/>
+              <a:rPr lang="en-US" sz="1100" dirty="0">
+                <a:latin typeface="Courier New" charset="0"/>
+                <a:ea typeface="Courier New" charset="0"/>
+                <a:cs typeface="Courier New" charset="0"/>
+              </a:rPr>
               <a:t>| </a:t>
             </a:r>
             <a:r>
-              <a:rPr lang="en-US" sz="1400" dirty="0" err="1"/>
+              <a:rPr lang="en-US" sz="1100" dirty="0" err="1">
+                <a:latin typeface="Courier New" charset="0"/>
+                <a:ea typeface="Courier New" charset="0"/>
+                <a:cs typeface="Courier New" charset="0"/>
+              </a:rPr>
               <a:t>extraroute</a:t>
             </a:r>
             <a:r>
-              <a:rPr lang="en-US" sz="1400" dirty="0"/>
+              <a:rPr lang="en-US" sz="1100" dirty="0">
+                <a:latin typeface="Courier New" charset="0"/>
+                <a:ea typeface="Courier New" charset="0"/>
+                <a:cs typeface="Courier New" charset="0"/>
+              </a:rPr>
               <a:t>     </a:t>
             </a:r>
             <a:r>
-              <a:rPr lang="en-US" sz="1400" dirty="0" smtClean="0"/>
-              <a:t>       </a:t>
-            </a:r>
-            <a:r>
-              <a:rPr lang="en-US" sz="1400" dirty="0"/>
-              <a:t>| Neutron Extra Route      |</a:t>
-            </a:r>
-          </a:p>
-          <a:p>
-            <a:r>
-              <a:rPr lang="en-US" sz="1400" dirty="0"/>
+              <a:rPr lang="en-US" sz="1100" dirty="0">
+                <a:latin typeface="Courier New" charset="0"/>
+                <a:ea typeface="Courier New" charset="0"/>
+                <a:cs typeface="Courier New" charset="0"/>
+              </a:rPr>
+              <a:t> </a:t>
+            </a:r>
+            <a:r>
+              <a:rPr lang="en-US" sz="1100" dirty="0" smtClean="0">
+                <a:latin typeface="Courier New" charset="0"/>
+                <a:ea typeface="Courier New" charset="0"/>
+                <a:cs typeface="Courier New" charset="0"/>
+              </a:rPr>
+              <a:t>| </a:t>
+            </a:r>
+            <a:r>
+              <a:rPr lang="en-US" sz="1100" dirty="0">
+                <a:latin typeface="Courier New" charset="0"/>
+                <a:ea typeface="Courier New" charset="0"/>
+                <a:cs typeface="Courier New" charset="0"/>
+              </a:rPr>
+              <a:t>Neutron Extra Route      |</a:t>
+            </a:r>
+          </a:p>
+          <a:p>
+            <a:r>
+              <a:rPr lang="en-US" sz="1100" dirty="0">
+                <a:latin typeface="Courier New" charset="0"/>
+                <a:ea typeface="Courier New" charset="0"/>
+                <a:cs typeface="Courier New" charset="0"/>
+              </a:rPr>
               <a:t>+-----------------+--------------------------+</a:t>
             </a:r>
           </a:p>
@@ -9074,8 +10535,8 @@
         </p:nvSpPr>
         <p:spPr>
           <a:xfrm>
-            <a:off x="14748" y="3731611"/>
-            <a:ext cx="9144000" cy="3139321"/>
+            <a:off x="56321" y="3373489"/>
+            <a:ext cx="8478079" cy="2462213"/>
           </a:xfrm>
           <a:prstGeom prst="rect">
             <a:avLst/>
@@ -9088,123 +10549,247 @@
           <a:lstStyle/>
           <a:p>
             <a:r>
-              <a:rPr lang="en-US" dirty="0"/>
+              <a:rPr lang="en-US" sz="1400" dirty="0">
+                <a:latin typeface="Courier New" charset="0"/>
+                <a:ea typeface="Courier New" charset="0"/>
+                <a:cs typeface="Courier New" charset="0"/>
+              </a:rPr>
               <a:t>$ neutron </a:t>
             </a:r>
             <a:r>
-              <a:rPr lang="en-US" dirty="0" err="1"/>
+              <a:rPr lang="en-US" sz="1400" dirty="0" err="1">
+                <a:latin typeface="Courier New" charset="0"/>
+                <a:ea typeface="Courier New" charset="0"/>
+                <a:cs typeface="Courier New" charset="0"/>
+              </a:rPr>
               <a:t>ext</a:t>
             </a:r>
             <a:r>
-              <a:rPr lang="en-US" dirty="0"/>
+              <a:rPr lang="en-US" sz="1400" dirty="0">
+                <a:latin typeface="Courier New" charset="0"/>
+                <a:ea typeface="Courier New" charset="0"/>
+                <a:cs typeface="Courier New" charset="0"/>
+              </a:rPr>
               <a:t>-show quotas</a:t>
             </a:r>
           </a:p>
           <a:p>
             <a:r>
-              <a:rPr lang="en-US" dirty="0"/>
+              <a:rPr lang="en-US" sz="1400" dirty="0">
+                <a:latin typeface="Courier New" charset="0"/>
+                <a:ea typeface="Courier New" charset="0"/>
+                <a:cs typeface="Courier New" charset="0"/>
+              </a:rPr>
               <a:t>+-------------+------------------------------------------------------------+</a:t>
             </a:r>
           </a:p>
           <a:p>
             <a:r>
-              <a:rPr lang="en-US" dirty="0"/>
+              <a:rPr lang="en-US" sz="1400" dirty="0">
+                <a:latin typeface="Courier New" charset="0"/>
+                <a:ea typeface="Courier New" charset="0"/>
+                <a:cs typeface="Courier New" charset="0"/>
+              </a:rPr>
               <a:t>| Field       | Value                                                      |</a:t>
             </a:r>
           </a:p>
           <a:p>
             <a:r>
-              <a:rPr lang="en-US" dirty="0"/>
+              <a:rPr lang="en-US" sz="1400" dirty="0">
+                <a:latin typeface="Courier New" charset="0"/>
+                <a:ea typeface="Courier New" charset="0"/>
+                <a:cs typeface="Courier New" charset="0"/>
+              </a:rPr>
               <a:t>+-------------+------------------------------------------------------------+</a:t>
             </a:r>
           </a:p>
           <a:p>
             <a:r>
-              <a:rPr lang="en-US" dirty="0"/>
+              <a:rPr lang="en-US" sz="1400" dirty="0">
+                <a:latin typeface="Courier New" charset="0"/>
+                <a:ea typeface="Courier New" charset="0"/>
+                <a:cs typeface="Courier New" charset="0"/>
+              </a:rPr>
               <a:t>| alias       </a:t>
             </a:r>
             <a:r>
-              <a:rPr lang="en-US" dirty="0" smtClean="0"/>
-              <a:t>         | </a:t>
-            </a:r>
-            <a:r>
-              <a:rPr lang="en-US" dirty="0"/>
+              <a:rPr lang="en-US" sz="1400" dirty="0" smtClean="0">
+                <a:latin typeface="Courier New" charset="0"/>
+                <a:ea typeface="Courier New" charset="0"/>
+                <a:cs typeface="Courier New" charset="0"/>
+              </a:rPr>
+              <a:t>| </a:t>
+            </a:r>
+            <a:r>
+              <a:rPr lang="en-US" sz="1400" dirty="0">
+                <a:latin typeface="Courier New" charset="0"/>
+                <a:ea typeface="Courier New" charset="0"/>
+                <a:cs typeface="Courier New" charset="0"/>
+              </a:rPr>
               <a:t>quotas                                                     |</a:t>
             </a:r>
           </a:p>
           <a:p>
             <a:r>
-              <a:rPr lang="en-US" dirty="0"/>
+              <a:rPr lang="en-US" sz="1400" dirty="0">
+                <a:latin typeface="Courier New" charset="0"/>
+                <a:ea typeface="Courier New" charset="0"/>
+                <a:cs typeface="Courier New" charset="0"/>
+              </a:rPr>
               <a:t>| description </a:t>
             </a:r>
             <a:r>
-              <a:rPr lang="en-US" dirty="0" smtClean="0"/>
-              <a:t>   | </a:t>
-            </a:r>
-            <a:r>
-              <a:rPr lang="en-US" dirty="0"/>
+              <a:rPr lang="en-US" sz="1400" dirty="0" smtClean="0">
+                <a:latin typeface="Courier New" charset="0"/>
+                <a:ea typeface="Courier New" charset="0"/>
+                <a:cs typeface="Courier New" charset="0"/>
+              </a:rPr>
+              <a:t>| </a:t>
+            </a:r>
+            <a:r>
+              <a:rPr lang="en-US" sz="1400" dirty="0">
+                <a:latin typeface="Courier New" charset="0"/>
+                <a:ea typeface="Courier New" charset="0"/>
+                <a:cs typeface="Courier New" charset="0"/>
+              </a:rPr>
               <a:t>Expose functions for quotas management per tenant          |</a:t>
             </a:r>
           </a:p>
           <a:p>
             <a:r>
-              <a:rPr lang="en-US" dirty="0"/>
-              <a:t>| links       </a:t>
-            </a:r>
-            <a:r>
-              <a:rPr lang="en-US" dirty="0" smtClean="0"/>
-              <a:t>         |                                                            </a:t>
-            </a:r>
-            <a:r>
-              <a:rPr lang="en-US" dirty="0"/>
+              <a:rPr lang="en-US" sz="1400" dirty="0">
+                <a:latin typeface="Courier New" charset="0"/>
+                <a:ea typeface="Courier New" charset="0"/>
+                <a:cs typeface="Courier New" charset="0"/>
+              </a:rPr>
+              <a:t>| links     </a:t>
+            </a:r>
+            <a:r>
+              <a:rPr lang="en-US" sz="1400" dirty="0" smtClean="0">
+                <a:latin typeface="Courier New" charset="0"/>
+                <a:ea typeface="Courier New" charset="0"/>
+                <a:cs typeface="Courier New" charset="0"/>
+              </a:rPr>
+              <a:t>  </a:t>
+            </a:r>
+            <a:r>
+              <a:rPr lang="en-US" sz="1400" dirty="0" smtClean="0">
+                <a:latin typeface="Courier New" charset="0"/>
+                <a:ea typeface="Courier New" charset="0"/>
+                <a:cs typeface="Courier New" charset="0"/>
+              </a:rPr>
+              <a:t>|                                                            </a:t>
+            </a:r>
+            <a:r>
+              <a:rPr lang="en-US" sz="1400" dirty="0">
+                <a:latin typeface="Courier New" charset="0"/>
+                <a:ea typeface="Courier New" charset="0"/>
+                <a:cs typeface="Courier New" charset="0"/>
+              </a:rPr>
               <a:t>|</a:t>
             </a:r>
           </a:p>
           <a:p>
             <a:r>
-              <a:rPr lang="en-US" dirty="0"/>
-              <a:t>| name       </a:t>
-            </a:r>
-            <a:r>
-              <a:rPr lang="en-US" dirty="0" smtClean="0"/>
-              <a:t>       | </a:t>
-            </a:r>
-            <a:r>
-              <a:rPr lang="en-US" dirty="0"/>
+              <a:rPr lang="en-US" sz="1400" dirty="0">
+                <a:latin typeface="Courier New" charset="0"/>
+                <a:ea typeface="Courier New" charset="0"/>
+                <a:cs typeface="Courier New" charset="0"/>
+              </a:rPr>
+              <a:t>| name    </a:t>
+            </a:r>
+            <a:r>
+              <a:rPr lang="en-US" sz="1400" dirty="0" smtClean="0">
+                <a:latin typeface="Courier New" charset="0"/>
+                <a:ea typeface="Courier New" charset="0"/>
+                <a:cs typeface="Courier New" charset="0"/>
+              </a:rPr>
+              <a:t>    </a:t>
+            </a:r>
+            <a:r>
+              <a:rPr lang="en-US" sz="1400" dirty="0" smtClean="0">
+                <a:latin typeface="Courier New" charset="0"/>
+                <a:ea typeface="Courier New" charset="0"/>
+                <a:cs typeface="Courier New" charset="0"/>
+              </a:rPr>
+              <a:t>| </a:t>
+            </a:r>
+            <a:r>
+              <a:rPr lang="en-US" sz="1400" dirty="0">
+                <a:latin typeface="Courier New" charset="0"/>
+                <a:ea typeface="Courier New" charset="0"/>
+                <a:cs typeface="Courier New" charset="0"/>
+              </a:rPr>
               <a:t>Quota management support                                   |</a:t>
             </a:r>
           </a:p>
           <a:p>
             <a:r>
-              <a:rPr lang="en-US" dirty="0"/>
-              <a:t>| namespace   </a:t>
-            </a:r>
-            <a:r>
-              <a:rPr lang="en-US" dirty="0" smtClean="0"/>
+              <a:rPr lang="en-US" sz="1400" dirty="0">
+                <a:latin typeface="Courier New" charset="0"/>
+                <a:ea typeface="Courier New" charset="0"/>
+                <a:cs typeface="Courier New" charset="0"/>
+              </a:rPr>
+              <a:t>| namespace  </a:t>
+            </a:r>
+            <a:r>
+              <a:rPr lang="en-US" sz="1400" dirty="0" smtClean="0">
+                <a:latin typeface="Courier New" charset="0"/>
+                <a:ea typeface="Courier New" charset="0"/>
+                <a:cs typeface="Courier New" charset="0"/>
+              </a:rPr>
               <a:t> | </a:t>
             </a:r>
             <a:r>
-              <a:rPr lang="en-US" dirty="0"/>
+              <a:rPr lang="en-US" sz="1400" dirty="0">
+                <a:latin typeface="Courier New" charset="0"/>
+                <a:ea typeface="Courier New" charset="0"/>
+                <a:cs typeface="Courier New" charset="0"/>
+              </a:rPr>
               <a:t>http://docs.openstack.org/network/ext/quotas-sets/api/v2.0 |</a:t>
             </a:r>
           </a:p>
           <a:p>
             <a:r>
-              <a:rPr lang="en-US" dirty="0"/>
-              <a:t>| updated     </a:t>
-            </a:r>
-            <a:r>
-              <a:rPr lang="en-US" dirty="0" smtClean="0"/>
-              <a:t>     | </a:t>
-            </a:r>
-            <a:r>
-              <a:rPr lang="en-US" dirty="0"/>
+              <a:rPr lang="en-US" sz="1400" dirty="0">
+                <a:latin typeface="Courier New" charset="0"/>
+                <a:ea typeface="Courier New" charset="0"/>
+                <a:cs typeface="Courier New" charset="0"/>
+              </a:rPr>
+              <a:t>| updated    </a:t>
+            </a:r>
+            <a:r>
+              <a:rPr lang="en-US" sz="1400" dirty="0" smtClean="0">
+                <a:latin typeface="Courier New" charset="0"/>
+                <a:ea typeface="Courier New" charset="0"/>
+                <a:cs typeface="Courier New" charset="0"/>
+              </a:rPr>
+              <a:t> </a:t>
+            </a:r>
+            <a:r>
+              <a:rPr lang="en-US" sz="1400" dirty="0" smtClean="0">
+                <a:latin typeface="Courier New" charset="0"/>
+                <a:ea typeface="Courier New" charset="0"/>
+                <a:cs typeface="Courier New" charset="0"/>
+              </a:rPr>
+              <a:t>| </a:t>
+            </a:r>
+            <a:r>
+              <a:rPr lang="en-US" sz="1400" dirty="0">
+                <a:latin typeface="Courier New" charset="0"/>
+                <a:ea typeface="Courier New" charset="0"/>
+                <a:cs typeface="Courier New" charset="0"/>
+              </a:rPr>
               <a:t>2012-07-29T10:00:00-00:00                                  |</a:t>
             </a:r>
           </a:p>
           <a:p>
             <a:r>
-              <a:rPr lang="en-US" dirty="0"/>
+              <a:rPr lang="en-US" sz="1400" dirty="0">
+                <a:latin typeface="Courier New" charset="0"/>
+                <a:ea typeface="Courier New" charset="0"/>
+                <a:cs typeface="Courier New" charset="0"/>
+              </a:rPr>
               <a:t>+-------------+------------------------------------------------------------+</a:t>
             </a:r>
           </a:p>
@@ -11839,7 +13424,7 @@
         </p:nvSpPr>
         <p:spPr>
           <a:xfrm>
-            <a:off x="7086600" y="2083136"/>
+            <a:off x="6889701" y="2083136"/>
             <a:ext cx="2068771" cy="1477328"/>
           </a:xfrm>
           <a:prstGeom prst="rect">
@@ -13306,25 +14891,6 @@
       </p:grpSpPr>
       <p:sp>
         <p:nvSpPr>
-          <p:cNvPr id="2" name="Title 1"/>
-          <p:cNvSpPr>
-            <a:spLocks noGrp="1"/>
-          </p:cNvSpPr>
-          <p:nvPr>
-            <p:ph type="title"/>
-          </p:nvPr>
-        </p:nvSpPr>
-        <p:spPr/>
-        <p:txBody>
-          <a:bodyPr/>
-          <a:lstStyle/>
-          <a:p>
-            <a:endParaRPr lang="en-US" dirty="0"/>
-          </a:p>
-        </p:txBody>
-      </p:sp>
-      <p:sp>
-        <p:nvSpPr>
           <p:cNvPr id="4" name="Rectangle 3"/>
           <p:cNvSpPr/>
           <p:nvPr/>
@@ -13627,12 +15193,14 @@
         </p:nvSpPr>
         <p:spPr>
           <a:xfrm>
-            <a:off x="0" y="0"/>
-            <a:ext cx="8229600" cy="1143000"/>
-          </a:xfrm>
-        </p:spPr>
-        <p:txBody>
-          <a:bodyPr/>
+            <a:off x="1142668" y="132501"/>
+            <a:ext cx="4675036" cy="503603"/>
+          </a:xfrm>
+        </p:spPr>
+        <p:txBody>
+          <a:bodyPr>
+            <a:normAutofit/>
+          </a:bodyPr>
           <a:lstStyle/>
           <a:p>
             <a:r>
@@ -13652,7 +15220,7 @@
         <p:spPr>
           <a:xfrm>
             <a:off x="22860" y="-167761"/>
-            <a:ext cx="2103120" cy="3477875"/>
+            <a:ext cx="2697480" cy="3477875"/>
           </a:xfrm>
           <a:prstGeom prst="rect">
             <a:avLst/>
@@ -13846,7 +15414,7 @@
         </p:nvSpPr>
         <p:spPr>
           <a:xfrm>
-            <a:off x="6019800" y="14288"/>
+            <a:off x="5829300" y="16100"/>
             <a:ext cx="3505200" cy="1477328"/>
           </a:xfrm>
           <a:prstGeom prst="rect">
@@ -15301,12 +16869,14 @@
         </p:nvSpPr>
         <p:spPr>
           <a:xfrm>
-            <a:off x="381000" y="255032"/>
-            <a:ext cx="8229600" cy="1143000"/>
-          </a:xfrm>
-        </p:spPr>
-        <p:txBody>
-          <a:bodyPr/>
+            <a:off x="53009" y="39757"/>
+            <a:ext cx="8557591" cy="646043"/>
+          </a:xfrm>
+        </p:spPr>
+        <p:txBody>
+          <a:bodyPr>
+            <a:normAutofit/>
+          </a:bodyPr>
           <a:lstStyle/>
           <a:p>
             <a:r>
@@ -18885,25 +20455,6 @@
           </a:p>
         </p:txBody>
       </p:sp>
-      <p:sp>
-        <p:nvSpPr>
-          <p:cNvPr id="3" name="Text Placeholder 2"/>
-          <p:cNvSpPr>
-            <a:spLocks noGrp="1"/>
-          </p:cNvSpPr>
-          <p:nvPr>
-            <p:ph type="body" idx="1"/>
-          </p:nvPr>
-        </p:nvSpPr>
-        <p:spPr/>
-        <p:txBody>
-          <a:bodyPr/>
-          <a:lstStyle/>
-          <a:p>
-            <a:endParaRPr lang="en-US"/>
-          </a:p>
-        </p:txBody>
-      </p:sp>
     </p:spTree>
     <p:extLst>
       <p:ext uri="{BB962C8B-B14F-4D97-AF65-F5344CB8AC3E}">
@@ -20045,8 +21596,8 @@
         </p:nvSpPr>
         <p:spPr>
           <a:xfrm>
-            <a:off x="-2286000" y="-269141"/>
-            <a:ext cx="8229600" cy="1143000"/>
+            <a:off x="0" y="54383"/>
+            <a:ext cx="3657600" cy="662195"/>
           </a:xfrm>
         </p:spPr>
         <p:txBody>
@@ -23392,7 +24943,7 @@
         </p:nvGraphicFramePr>
         <p:xfrm>
           <a:off x="304800" y="778067"/>
-          <a:ext cx="8686800" cy="5461000"/>
+          <a:ext cx="8686800" cy="5191760"/>
         </p:xfrm>
         <a:graphic>
           <a:graphicData uri="http://schemas.openxmlformats.org/drawingml/2006/table">
@@ -26658,8 +28209,8 @@
         </p:nvSpPr>
         <p:spPr>
           <a:xfrm>
-            <a:off x="533400" y="-228600"/>
-            <a:ext cx="8229600" cy="1143000"/>
+            <a:off x="29818" y="33131"/>
+            <a:ext cx="8961782" cy="620404"/>
           </a:xfrm>
         </p:spPr>
         <p:txBody>
@@ -26667,8 +28218,8 @@
           <a:lstStyle/>
           <a:p>
             <a:r>
-              <a:rPr lang="en-US" dirty="0" err="1" smtClean="0"/>
-              <a:t>config</a:t>
+              <a:rPr lang="en-US" smtClean="0"/>
+              <a:t>Config</a:t>
             </a:r>
             <a:endParaRPr lang="en-US" dirty="0"/>
           </a:p>
@@ -27469,7 +29020,7 @@
         </p:spPr>
         <p:txBody>
           <a:bodyPr>
-            <a:normAutofit fontScale="85000" lnSpcReduction="20000"/>
+            <a:normAutofit/>
           </a:bodyPr>
           <a:lstStyle/>
           <a:p>
@@ -29761,7 +31312,7 @@
         </p:nvSpPr>
         <p:spPr>
           <a:xfrm>
-            <a:off x="1939907" y="-42207"/>
+            <a:off x="2098933" y="63811"/>
             <a:ext cx="1659685" cy="646331"/>
           </a:xfrm>
           <a:prstGeom prst="rect">
@@ -29811,7 +31362,7 @@
         </p:nvSpPr>
         <p:spPr>
           <a:xfrm>
-            <a:off x="4192502" y="0"/>
+            <a:off x="3940710" y="53009"/>
             <a:ext cx="5062011" cy="646331"/>
           </a:xfrm>
           <a:prstGeom prst="rect">
@@ -29870,7 +31421,7 @@
         </p:nvSpPr>
         <p:spPr>
           <a:xfrm>
-            <a:off x="-6096" y="838200"/>
+            <a:off x="46913" y="824948"/>
             <a:ext cx="3407279" cy="923330"/>
           </a:xfrm>
           <a:prstGeom prst="rect">
@@ -29937,7 +31488,7 @@
         </p:nvSpPr>
         <p:spPr>
           <a:xfrm>
-            <a:off x="49449" y="1792069"/>
+            <a:off x="49449" y="1823811"/>
             <a:ext cx="2628861" cy="646331"/>
           </a:xfrm>
           <a:prstGeom prst="rect">
@@ -29993,7 +31544,7 @@
         </p:nvSpPr>
         <p:spPr>
           <a:xfrm>
-            <a:off x="128676" y="2632246"/>
+            <a:off x="46913" y="2559641"/>
             <a:ext cx="3323346" cy="646331"/>
           </a:xfrm>
           <a:prstGeom prst="rect">
@@ -30047,7 +31598,7 @@
         </p:nvSpPr>
         <p:spPr>
           <a:xfrm>
-            <a:off x="122601" y="3429000"/>
+            <a:off x="60377" y="3295471"/>
             <a:ext cx="3741922" cy="1200329"/>
           </a:xfrm>
           <a:prstGeom prst="rect">
@@ -30243,7 +31794,7 @@
         </p:nvSpPr>
         <p:spPr>
           <a:xfrm>
-            <a:off x="5520944" y="4718826"/>
+            <a:off x="5470796" y="4718827"/>
             <a:ext cx="3531925" cy="2031325"/>
           </a:xfrm>
           <a:prstGeom prst="rect">
@@ -30343,7 +31894,7 @@
         </p:nvSpPr>
         <p:spPr>
           <a:xfrm>
-            <a:off x="4565153" y="2618018"/>
+            <a:off x="4300321" y="2632246"/>
             <a:ext cx="4689361" cy="1754326"/>
           </a:xfrm>
           <a:prstGeom prst="rect">
@@ -30531,8 +32082,8 @@
         </p:nvCxnSpPr>
         <p:spPr>
           <a:xfrm rot="16200000" flipH="1">
-            <a:off x="6925129" y="4357048"/>
-            <a:ext cx="346482" cy="377073"/>
+            <a:off x="6774753" y="4256820"/>
+            <a:ext cx="332255" cy="591757"/>
           </a:xfrm>
           <a:prstGeom prst="bentConnector3">
             <a:avLst/>
@@ -30568,7 +32119,7 @@
         <p:spPr>
           <a:xfrm rot="10800000" flipV="1">
             <a:off x="4701520" y="5734489"/>
-            <a:ext cx="819425" cy="2"/>
+            <a:ext cx="769277" cy="1"/>
           </a:xfrm>
           <a:prstGeom prst="bentConnector3">
             <a:avLst/>
@@ -30603,12 +32154,12 @@
         </p:nvCxnSpPr>
         <p:spPr>
           <a:xfrm flipV="1">
-            <a:off x="2678310" y="1299865"/>
-            <a:ext cx="722873" cy="815370"/>
+            <a:off x="2678310" y="1286613"/>
+            <a:ext cx="775882" cy="860364"/>
           </a:xfrm>
           <a:prstGeom prst="bentConnector3">
             <a:avLst>
-              <a:gd name="adj1" fmla="val 131624"/>
+              <a:gd name="adj1" fmla="val 129463"/>
             </a:avLst>
           </a:prstGeom>
           <a:ln>
@@ -32477,7 +34028,12 @@
             <p:ph type="title"/>
           </p:nvPr>
         </p:nvSpPr>
-        <p:spPr/>
+        <p:spPr>
+          <a:xfrm>
+            <a:off x="41244" y="50371"/>
+            <a:ext cx="8930477" cy="612237"/>
+          </a:xfrm>
+        </p:spPr>
         <p:txBody>
           <a:bodyPr/>
           <a:lstStyle/>
@@ -33299,25 +34855,6 @@
               <a:t>NOTIFIERS</a:t>
             </a:r>
             <a:endParaRPr lang="en-US" dirty="0"/>
-          </a:p>
-        </p:txBody>
-      </p:sp>
-      <p:sp>
-        <p:nvSpPr>
-          <p:cNvPr id="3" name="Text Placeholder 2"/>
-          <p:cNvSpPr>
-            <a:spLocks noGrp="1"/>
-          </p:cNvSpPr>
-          <p:nvPr>
-            <p:ph type="body" idx="1"/>
-          </p:nvPr>
-        </p:nvSpPr>
-        <p:spPr/>
-        <p:txBody>
-          <a:bodyPr/>
-          <a:lstStyle/>
-          <a:p>
-            <a:endParaRPr lang="en-US"/>
           </a:p>
         </p:txBody>
       </p:sp>
@@ -37212,8 +38749,8 @@
         </p:nvSpPr>
         <p:spPr>
           <a:xfrm>
-            <a:off x="3276600" y="-190500"/>
-            <a:ext cx="2971800" cy="1143000"/>
+            <a:off x="8057322" y="28682"/>
+            <a:ext cx="914007" cy="614901"/>
           </a:xfrm>
         </p:spPr>
         <p:txBody>
@@ -38151,12 +39688,14 @@
         </p:nvSpPr>
         <p:spPr>
           <a:xfrm>
-            <a:off x="685800" y="0"/>
-            <a:ext cx="3048000" cy="1143000"/>
-          </a:xfrm>
-        </p:spPr>
-        <p:txBody>
-          <a:bodyPr/>
+            <a:off x="33130" y="46382"/>
+            <a:ext cx="3929270" cy="639417"/>
+          </a:xfrm>
+        </p:spPr>
+        <p:txBody>
+          <a:bodyPr>
+            <a:normAutofit/>
+          </a:bodyPr>
           <a:lstStyle/>
           <a:p>
             <a:r>
@@ -38625,8 +40164,8 @@
         </p:nvSpPr>
         <p:spPr>
           <a:xfrm>
-            <a:off x="457200" y="0"/>
-            <a:ext cx="8229600" cy="1143000"/>
+            <a:off x="53009" y="39757"/>
+            <a:ext cx="8633791" cy="609600"/>
           </a:xfrm>
         </p:spPr>
         <p:txBody>
@@ -39341,7 +40880,7 @@
 </file>
 
 <file path=ppt/theme/theme1.xml><?xml version="1.0" encoding="utf-8"?>
-<a:theme xmlns:a="http://schemas.openxmlformats.org/drawingml/2006/main" name="Office Theme">
+<a:theme xmlns:a="http://schemas.openxmlformats.org/drawingml/2006/main" name="SimpleOrangeLinePPT">
   <a:themeElements>
     <a:clrScheme name="Office">
       <a:dk1>
@@ -39415,6 +40954,7 @@
         <a:font script="Mong" typeface="Mongolian Baiti"/>
         <a:font script="Viet" typeface="Times New Roman"/>
         <a:font script="Uigh" typeface="Microsoft Uighur"/>
+        <a:font script="Geor" typeface="Sylfaen"/>
       </a:majorFont>
       <a:minorFont>
         <a:latin typeface="Calibri"/>
@@ -39449,6 +40989,7 @@
         <a:font script="Mong" typeface="Mongolian Baiti"/>
         <a:font script="Viet" typeface="Arial"/>
         <a:font script="Uigh" typeface="Microsoft Uighur"/>
+        <a:font script="Geor" typeface="Sylfaen"/>
       </a:minorFont>
     </a:fontScheme>
     <a:fmtScheme name="Office">
@@ -39620,6 +41161,11 @@
   </a:themeElements>
   <a:objectDefaults/>
   <a:extraClrSchemeLst/>
+  <a:extLst>
+    <a:ext uri="{05A4C25C-085E-4340-85A3-A5531E510DB2}">
+      <thm15:themeFamily xmlns:thm15="http://schemas.microsoft.com/office/thememl/2012/main" name="SimpleOrangeLinePPT" id="{B850F300-3A6F-5E44-B2B2-B19B4711B10F}" vid="{8B58572D-2C56-6F41-98C0-684C2D82D463}"/>
+    </a:ext>
+  </a:extLst>
 </a:theme>
 </file>
 

--- a/OS-Neutron-Utilities-Support.pptx
+++ b/OS-Neutron-Utilities-Support.pptx
@@ -176,7 +176,7 @@
   </p:defaultTextStyle>
   <p:extLst>
     <p:ext uri="{EFAFB233-063F-42B5-8137-9DF3F51BA10A}">
-      <p15:sldGuideLst xmlns:p15="http://schemas.microsoft.com/office/powerpoint/2012/main">
+      <p15:sldGuideLst xmlns:p15="http://schemas.microsoft.com/office/powerpoint/2012/main" xmlns="">
         <p15:guide id="1" orient="horz" pos="2160">
           <p15:clr>
             <a:srgbClr val="A4A3A4"/>
@@ -275,7 +275,7 @@
           <a:p>
             <a:fld id="{5417CE2E-C7C9-464F-83E0-12EE2A227BF4}" type="datetimeFigureOut">
               <a:rPr lang="en-US" smtClean="0"/>
-              <a:t>8/7/15</a:t>
+              <a:t>8/8/2015</a:t>
             </a:fld>
             <a:endParaRPr lang="en-US"/>
           </a:p>
@@ -2540,7 +2540,7 @@
             <a:fld id="{1D8BD707-D9CF-40AE-B4C6-C98DA3205C09}" type="datetimeFigureOut">
               <a:rPr lang="en-US" smtClean="0"/>
               <a:pPr/>
-              <a:t>8/7/15</a:t>
+              <a:t>8/8/2015</a:t>
             </a:fld>
             <a:endParaRPr lang="en-US"/>
           </a:p>
@@ -2778,7 +2778,7 @@
             <a:fld id="{1D8BD707-D9CF-40AE-B4C6-C98DA3205C09}" type="datetimeFigureOut">
               <a:rPr lang="en-US" smtClean="0"/>
               <a:pPr/>
-              <a:t>8/7/15</a:t>
+              <a:t>8/8/2015</a:t>
             </a:fld>
             <a:endParaRPr lang="en-US"/>
           </a:p>
@@ -2960,7 +2960,7 @@
             <a:fld id="{1D8BD707-D9CF-40AE-B4C6-C98DA3205C09}" type="datetimeFigureOut">
               <a:rPr lang="en-US" smtClean="0"/>
               <a:pPr/>
-              <a:t>8/7/15</a:t>
+              <a:t>8/8/2015</a:t>
             </a:fld>
             <a:endParaRPr lang="en-US"/>
           </a:p>
@@ -3529,7 +3529,7 @@
             <a:fld id="{1D8BD707-D9CF-40AE-B4C6-C98DA3205C09}" type="datetimeFigureOut">
               <a:rPr lang="en-US" smtClean="0"/>
               <a:pPr/>
-              <a:t>8/7/15</a:t>
+              <a:t>8/8/2015</a:t>
             </a:fld>
             <a:endParaRPr lang="en-US"/>
           </a:p>
@@ -3920,7 +3920,7 @@
             <a:fld id="{1D8BD707-D9CF-40AE-B4C6-C98DA3205C09}" type="datetimeFigureOut">
               <a:rPr lang="en-US" smtClean="0"/>
               <a:pPr/>
-              <a:t>8/7/15</a:t>
+              <a:t>8/8/2015</a:t>
             </a:fld>
             <a:endParaRPr lang="en-US"/>
           </a:p>
@@ -4276,7 +4276,7 @@
             <a:fld id="{1D8BD707-D9CF-40AE-B4C6-C98DA3205C09}" type="datetimeFigureOut">
               <a:rPr lang="en-US" smtClean="0"/>
               <a:pPr/>
-              <a:t>8/7/15</a:t>
+              <a:t>8/8/2015</a:t>
             </a:fld>
             <a:endParaRPr lang="en-US"/>
           </a:p>
@@ -4833,7 +4833,7 @@
             <a:fld id="{1D8BD707-D9CF-40AE-B4C6-C98DA3205C09}" type="datetimeFigureOut">
               <a:rPr lang="en-US" smtClean="0"/>
               <a:pPr/>
-              <a:t>8/7/15</a:t>
+              <a:t>8/8/2015</a:t>
             </a:fld>
             <a:endParaRPr lang="en-US"/>
           </a:p>
@@ -5086,7 +5086,7 @@
             <a:fld id="{1D8BD707-D9CF-40AE-B4C6-C98DA3205C09}" type="datetimeFigureOut">
               <a:rPr lang="en-US" smtClean="0"/>
               <a:pPr/>
-              <a:t>8/7/15</a:t>
+              <a:t>8/8/2015</a:t>
             </a:fld>
             <a:endParaRPr lang="en-US"/>
           </a:p>
@@ -5316,7 +5316,7 @@
             <a:fld id="{1D8BD707-D9CF-40AE-B4C6-C98DA3205C09}" type="datetimeFigureOut">
               <a:rPr lang="en-US" smtClean="0"/>
               <a:pPr/>
-              <a:t>8/7/15</a:t>
+              <a:t>8/8/2015</a:t>
             </a:fld>
             <a:endParaRPr lang="en-US"/>
           </a:p>
@@ -5728,7 +5728,7 @@
             <a:fld id="{1D8BD707-D9CF-40AE-B4C6-C98DA3205C09}" type="datetimeFigureOut">
               <a:rPr lang="en-US" smtClean="0"/>
               <a:pPr/>
-              <a:t>8/7/15</a:t>
+              <a:t>8/8/2015</a:t>
             </a:fld>
             <a:endParaRPr lang="en-US"/>
           </a:p>
@@ -5987,7 +5987,7 @@
             <a:fld id="{1D8BD707-D9CF-40AE-B4C6-C98DA3205C09}" type="datetimeFigureOut">
               <a:rPr lang="en-US" smtClean="0"/>
               <a:pPr/>
-              <a:t>8/7/15</a:t>
+              <a:t>8/8/2015</a:t>
             </a:fld>
             <a:endParaRPr lang="en-US"/>
           </a:p>
@@ -6202,7 +6202,7 @@
             <a:fld id="{1D8BD707-D9CF-40AE-B4C6-C98DA3205C09}" type="datetimeFigureOut">
               <a:rPr lang="en-US" smtClean="0"/>
               <a:pPr/>
-              <a:t>8/7/15</a:t>
+              <a:t>8/8/2015</a:t>
             </a:fld>
             <a:endParaRPr lang="en-US"/>
           </a:p>
@@ -10158,7 +10158,74 @@
                 <a:ea typeface="Courier New" charset="0"/>
                 <a:cs typeface="Courier New" charset="0"/>
               </a:rPr>
-              <a:t> </a:t>
+              <a:t> | </a:t>
+            </a:r>
+            <a:r>
+              <a:rPr lang="en-US" sz="1100" dirty="0">
+                <a:latin typeface="Courier New" charset="0"/>
+                <a:ea typeface="Courier New" charset="0"/>
+                <a:cs typeface="Courier New" charset="0"/>
+              </a:rPr>
+              <a:t>name         </a:t>
+            </a:r>
+            <a:r>
+              <a:rPr lang="en-US" sz="1100" dirty="0" smtClean="0">
+                <a:latin typeface="Courier New" charset="0"/>
+                <a:ea typeface="Courier New" charset="0"/>
+                <a:cs typeface="Courier New" charset="0"/>
+              </a:rPr>
+              <a:t>            |</a:t>
+            </a:r>
+            <a:endParaRPr lang="en-US" sz="1100" dirty="0">
+              <a:latin typeface="Courier New" charset="0"/>
+              <a:ea typeface="Courier New" charset="0"/>
+              <a:cs typeface="Courier New" charset="0"/>
+            </a:endParaRPr>
+          </a:p>
+          <a:p>
+            <a:r>
+              <a:rPr lang="en-US" sz="1100" dirty="0">
+                <a:latin typeface="Courier New" charset="0"/>
+                <a:ea typeface="Courier New" charset="0"/>
+                <a:cs typeface="Courier New" charset="0"/>
+              </a:rPr>
+              <a:t>+-----------------+--------------------------+</a:t>
+            </a:r>
+          </a:p>
+          <a:p>
+            <a:r>
+              <a:rPr lang="en-US" sz="1100" dirty="0">
+                <a:latin typeface="Courier New" charset="0"/>
+                <a:ea typeface="Courier New" charset="0"/>
+                <a:cs typeface="Courier New" charset="0"/>
+              </a:rPr>
+              <a:t>| </a:t>
+            </a:r>
+            <a:r>
+              <a:rPr lang="en-US" sz="1100" dirty="0" err="1">
+                <a:latin typeface="Courier New" charset="0"/>
+                <a:ea typeface="Courier New" charset="0"/>
+                <a:cs typeface="Courier New" charset="0"/>
+              </a:rPr>
+              <a:t>agent_scheduler</a:t>
+            </a:r>
+            <a:r>
+              <a:rPr lang="en-US" sz="1100" dirty="0">
+                <a:latin typeface="Courier New" charset="0"/>
+                <a:ea typeface="Courier New" charset="0"/>
+                <a:cs typeface="Courier New" charset="0"/>
+              </a:rPr>
+              <a:t> | Agent Schedulers         |</a:t>
+            </a:r>
+          </a:p>
+          <a:p>
+            <a:r>
+              <a:rPr lang="en-US" sz="1100" dirty="0">
+                <a:latin typeface="Courier New" charset="0"/>
+                <a:ea typeface="Courier New" charset="0"/>
+                <a:cs typeface="Courier New" charset="0"/>
+              </a:rPr>
+              <a:t>| security-group  </a:t>
             </a:r>
             <a:r>
               <a:rPr lang="en-US" sz="1100" dirty="0" smtClean="0">
@@ -10174,30 +10241,7 @@
                 <a:ea typeface="Courier New" charset="0"/>
                 <a:cs typeface="Courier New" charset="0"/>
               </a:rPr>
-              <a:t>name         </a:t>
-            </a:r>
-            <a:r>
-              <a:rPr lang="en-US" sz="1100" dirty="0" smtClean="0">
-                <a:latin typeface="Courier New" charset="0"/>
-                <a:ea typeface="Courier New" charset="0"/>
-                <a:cs typeface="Courier New" charset="0"/>
-              </a:rPr>
-              <a:t>            |</a:t>
-            </a:r>
-            <a:endParaRPr lang="en-US" sz="1100" dirty="0">
-              <a:latin typeface="Courier New" charset="0"/>
-              <a:ea typeface="Courier New" charset="0"/>
-              <a:cs typeface="Courier New" charset="0"/>
-            </a:endParaRPr>
-          </a:p>
-          <a:p>
-            <a:r>
-              <a:rPr lang="en-US" sz="1100" dirty="0">
-                <a:latin typeface="Courier New" charset="0"/>
-                <a:ea typeface="Courier New" charset="0"/>
-                <a:cs typeface="Courier New" charset="0"/>
-              </a:rPr>
-              <a:t>+-----------------+--------------------------+</a:t>
+              <a:t>security-group           |</a:t>
             </a:r>
           </a:p>
           <a:p>
@@ -10210,72 +10254,12 @@
               <a:t>| </a:t>
             </a:r>
             <a:r>
-              <a:rPr lang="en-US" sz="1100" dirty="0" err="1">
-                <a:latin typeface="Courier New" charset="0"/>
-                <a:ea typeface="Courier New" charset="0"/>
-                <a:cs typeface="Courier New" charset="0"/>
-              </a:rPr>
-              <a:t>agent_scheduler</a:t>
-            </a:r>
-            <a:r>
-              <a:rPr lang="en-US" sz="1100" dirty="0">
-                <a:latin typeface="Courier New" charset="0"/>
-                <a:ea typeface="Courier New" charset="0"/>
-                <a:cs typeface="Courier New" charset="0"/>
-              </a:rPr>
-              <a:t> | Agent Schedulers         |</a:t>
-            </a:r>
-          </a:p>
-          <a:p>
-            <a:r>
-              <a:rPr lang="en-US" sz="1100" dirty="0">
-                <a:latin typeface="Courier New" charset="0"/>
-                <a:ea typeface="Courier New" charset="0"/>
-                <a:cs typeface="Courier New" charset="0"/>
-              </a:rPr>
-              <a:t>| security-group  </a:t>
-            </a:r>
-            <a:r>
               <a:rPr lang="en-US" sz="1100" dirty="0" smtClean="0">
                 <a:latin typeface="Courier New" charset="0"/>
                 <a:ea typeface="Courier New" charset="0"/>
                 <a:cs typeface="Courier New" charset="0"/>
               </a:rPr>
-              <a:t>| </a:t>
-            </a:r>
-            <a:r>
-              <a:rPr lang="en-US" sz="1100" dirty="0">
-                <a:latin typeface="Courier New" charset="0"/>
-                <a:ea typeface="Courier New" charset="0"/>
-                <a:cs typeface="Courier New" charset="0"/>
-              </a:rPr>
-              <a:t>security-group           |</a:t>
-            </a:r>
-          </a:p>
-          <a:p>
-            <a:r>
-              <a:rPr lang="en-US" sz="1100" dirty="0">
-                <a:latin typeface="Courier New" charset="0"/>
-                <a:ea typeface="Courier New" charset="0"/>
-                <a:cs typeface="Courier New" charset="0"/>
-              </a:rPr>
-              <a:t>| </a:t>
-            </a:r>
-            <a:r>
-              <a:rPr lang="en-US" sz="1100" dirty="0" smtClean="0">
-                <a:latin typeface="Courier New" charset="0"/>
-                <a:ea typeface="Courier New" charset="0"/>
-                <a:cs typeface="Courier New" charset="0"/>
-              </a:rPr>
-              <a:t>binding         </a:t>
-            </a:r>
-            <a:r>
-              <a:rPr lang="en-US" sz="1100" dirty="0" smtClean="0">
-                <a:latin typeface="Courier New" charset="0"/>
-                <a:ea typeface="Courier New" charset="0"/>
-                <a:cs typeface="Courier New" charset="0"/>
-              </a:rPr>
-              <a:t>| </a:t>
+              <a:t>binding         | </a:t>
             </a:r>
             <a:r>
               <a:rPr lang="en-US" sz="1100" dirty="0">
@@ -10388,7 +10372,91 @@
                 <a:ea typeface="Courier New" charset="0"/>
                 <a:cs typeface="Courier New" charset="0"/>
               </a:rPr>
-              <a:t> </a:t>
+              <a:t> | </a:t>
+            </a:r>
+            <a:r>
+              <a:rPr lang="en-US" sz="1100" dirty="0">
+                <a:latin typeface="Courier New" charset="0"/>
+                <a:ea typeface="Courier New" charset="0"/>
+                <a:cs typeface="Courier New" charset="0"/>
+              </a:rPr>
+              <a:t>Neutron L3 Router        |</a:t>
+            </a:r>
+          </a:p>
+          <a:p>
+            <a:r>
+              <a:rPr lang="en-US" sz="1100" dirty="0">
+                <a:latin typeface="Courier New" charset="0"/>
+                <a:ea typeface="Courier New" charset="0"/>
+                <a:cs typeface="Courier New" charset="0"/>
+              </a:rPr>
+              <a:t>| </a:t>
+            </a:r>
+            <a:r>
+              <a:rPr lang="en-US" sz="1100" dirty="0" err="1">
+                <a:latin typeface="Courier New" charset="0"/>
+                <a:ea typeface="Courier New" charset="0"/>
+                <a:cs typeface="Courier New" charset="0"/>
+              </a:rPr>
+              <a:t>lbaas</a:t>
+            </a:r>
+            <a:r>
+              <a:rPr lang="en-US" sz="1100" dirty="0">
+                <a:latin typeface="Courier New" charset="0"/>
+                <a:ea typeface="Courier New" charset="0"/>
+                <a:cs typeface="Courier New" charset="0"/>
+              </a:rPr>
+              <a:t>          </a:t>
+            </a:r>
+            <a:r>
+              <a:rPr lang="en-US" sz="1100" dirty="0" smtClean="0">
+                <a:latin typeface="Courier New" charset="0"/>
+                <a:ea typeface="Courier New" charset="0"/>
+                <a:cs typeface="Courier New" charset="0"/>
+              </a:rPr>
+              <a:t> | </a:t>
+            </a:r>
+            <a:r>
+              <a:rPr lang="en-US" sz="1100" dirty="0" err="1">
+                <a:latin typeface="Courier New" charset="0"/>
+                <a:ea typeface="Courier New" charset="0"/>
+                <a:cs typeface="Courier New" charset="0"/>
+              </a:rPr>
+              <a:t>LoadBalancing</a:t>
+            </a:r>
+            <a:r>
+              <a:rPr lang="en-US" sz="1100" dirty="0">
+                <a:latin typeface="Courier New" charset="0"/>
+                <a:ea typeface="Courier New" charset="0"/>
+                <a:cs typeface="Courier New" charset="0"/>
+              </a:rPr>
+              <a:t> service    |</a:t>
+            </a:r>
+          </a:p>
+          <a:p>
+            <a:r>
+              <a:rPr lang="en-US" sz="1100" dirty="0">
+                <a:latin typeface="Courier New" charset="0"/>
+                <a:ea typeface="Courier New" charset="0"/>
+                <a:cs typeface="Courier New" charset="0"/>
+              </a:rPr>
+              <a:t>| </a:t>
+            </a:r>
+            <a:r>
+              <a:rPr lang="en-US" sz="1100" dirty="0" err="1">
+                <a:latin typeface="Courier New" charset="0"/>
+                <a:ea typeface="Courier New" charset="0"/>
+                <a:cs typeface="Courier New" charset="0"/>
+              </a:rPr>
+              <a:t>extraroute</a:t>
+            </a:r>
+            <a:r>
+              <a:rPr lang="en-US" sz="1100" dirty="0">
+                <a:latin typeface="Courier New" charset="0"/>
+                <a:ea typeface="Courier New" charset="0"/>
+                <a:cs typeface="Courier New" charset="0"/>
+              </a:rPr>
+              <a:t>      </a:t>
             </a:r>
             <a:r>
               <a:rPr lang="en-US" sz="1100" dirty="0" smtClean="0">
@@ -10404,114 +10472,6 @@
                 <a:ea typeface="Courier New" charset="0"/>
                 <a:cs typeface="Courier New" charset="0"/>
               </a:rPr>
-              <a:t>Neutron L3 Router        |</a:t>
-            </a:r>
-          </a:p>
-          <a:p>
-            <a:r>
-              <a:rPr lang="en-US" sz="1100" dirty="0">
-                <a:latin typeface="Courier New" charset="0"/>
-                <a:ea typeface="Courier New" charset="0"/>
-                <a:cs typeface="Courier New" charset="0"/>
-              </a:rPr>
-              <a:t>| </a:t>
-            </a:r>
-            <a:r>
-              <a:rPr lang="en-US" sz="1100" dirty="0" err="1">
-                <a:latin typeface="Courier New" charset="0"/>
-                <a:ea typeface="Courier New" charset="0"/>
-                <a:cs typeface="Courier New" charset="0"/>
-              </a:rPr>
-              <a:t>lbaas</a:t>
-            </a:r>
-            <a:r>
-              <a:rPr lang="en-US" sz="1100" dirty="0">
-                <a:latin typeface="Courier New" charset="0"/>
-                <a:ea typeface="Courier New" charset="0"/>
-                <a:cs typeface="Courier New" charset="0"/>
-              </a:rPr>
-              <a:t>          </a:t>
-            </a:r>
-            <a:r>
-              <a:rPr lang="en-US" sz="1100" dirty="0" smtClean="0">
-                <a:latin typeface="Courier New" charset="0"/>
-                <a:ea typeface="Courier New" charset="0"/>
-                <a:cs typeface="Courier New" charset="0"/>
-              </a:rPr>
-              <a:t> </a:t>
-            </a:r>
-            <a:r>
-              <a:rPr lang="en-US" sz="1100" dirty="0" smtClean="0">
-                <a:latin typeface="Courier New" charset="0"/>
-                <a:ea typeface="Courier New" charset="0"/>
-                <a:cs typeface="Courier New" charset="0"/>
-              </a:rPr>
-              <a:t>| </a:t>
-            </a:r>
-            <a:r>
-              <a:rPr lang="en-US" sz="1100" dirty="0" err="1">
-                <a:latin typeface="Courier New" charset="0"/>
-                <a:ea typeface="Courier New" charset="0"/>
-                <a:cs typeface="Courier New" charset="0"/>
-              </a:rPr>
-              <a:t>LoadBalancing</a:t>
-            </a:r>
-            <a:r>
-              <a:rPr lang="en-US" sz="1100" dirty="0">
-                <a:latin typeface="Courier New" charset="0"/>
-                <a:ea typeface="Courier New" charset="0"/>
-                <a:cs typeface="Courier New" charset="0"/>
-              </a:rPr>
-              <a:t> service    |</a:t>
-            </a:r>
-          </a:p>
-          <a:p>
-            <a:r>
-              <a:rPr lang="en-US" sz="1100" dirty="0">
-                <a:latin typeface="Courier New" charset="0"/>
-                <a:ea typeface="Courier New" charset="0"/>
-                <a:cs typeface="Courier New" charset="0"/>
-              </a:rPr>
-              <a:t>| </a:t>
-            </a:r>
-            <a:r>
-              <a:rPr lang="en-US" sz="1100" dirty="0" err="1">
-                <a:latin typeface="Courier New" charset="0"/>
-                <a:ea typeface="Courier New" charset="0"/>
-                <a:cs typeface="Courier New" charset="0"/>
-              </a:rPr>
-              <a:t>extraroute</a:t>
-            </a:r>
-            <a:r>
-              <a:rPr lang="en-US" sz="1100" dirty="0">
-                <a:latin typeface="Courier New" charset="0"/>
-                <a:ea typeface="Courier New" charset="0"/>
-                <a:cs typeface="Courier New" charset="0"/>
-              </a:rPr>
-              <a:t>     </a:t>
-            </a:r>
-            <a:r>
-              <a:rPr lang="en-US" sz="1100" dirty="0">
-                <a:latin typeface="Courier New" charset="0"/>
-                <a:ea typeface="Courier New" charset="0"/>
-                <a:cs typeface="Courier New" charset="0"/>
-              </a:rPr>
-              <a:t> </a:t>
-            </a:r>
-            <a:r>
-              <a:rPr lang="en-US" sz="1100" dirty="0" smtClean="0">
-                <a:latin typeface="Courier New" charset="0"/>
-                <a:ea typeface="Courier New" charset="0"/>
-                <a:cs typeface="Courier New" charset="0"/>
-              </a:rPr>
-              <a:t>| </a:t>
-            </a:r>
-            <a:r>
-              <a:rPr lang="en-US" sz="1100" dirty="0">
-                <a:latin typeface="Courier New" charset="0"/>
-                <a:ea typeface="Courier New" charset="0"/>
-                <a:cs typeface="Courier New" charset="0"/>
-              </a:rPr>
               <a:t>Neutron Extra Route      |</a:t>
             </a:r>
           </a:p>
@@ -10670,15 +10630,7 @@
                 <a:ea typeface="Courier New" charset="0"/>
                 <a:cs typeface="Courier New" charset="0"/>
               </a:rPr>
-              <a:t>  </a:t>
-            </a:r>
-            <a:r>
-              <a:rPr lang="en-US" sz="1400" dirty="0" smtClean="0">
-                <a:latin typeface="Courier New" charset="0"/>
-                <a:ea typeface="Courier New" charset="0"/>
-                <a:cs typeface="Courier New" charset="0"/>
-              </a:rPr>
-              <a:t>|                                                            </a:t>
+              <a:t>  |                                                            </a:t>
             </a:r>
             <a:r>
               <a:rPr lang="en-US" sz="1400" dirty="0">
@@ -10704,15 +10656,7 @@
                 <a:ea typeface="Courier New" charset="0"/>
                 <a:cs typeface="Courier New" charset="0"/>
               </a:rPr>
-              <a:t>    </a:t>
-            </a:r>
-            <a:r>
-              <a:rPr lang="en-US" sz="1400" dirty="0" smtClean="0">
-                <a:latin typeface="Courier New" charset="0"/>
-                <a:ea typeface="Courier New" charset="0"/>
-                <a:cs typeface="Courier New" charset="0"/>
-              </a:rPr>
-              <a:t>| </a:t>
+              <a:t>    | </a:t>
             </a:r>
             <a:r>
               <a:rPr lang="en-US" sz="1400" dirty="0">
@@ -10764,15 +10708,7 @@
                 <a:ea typeface="Courier New" charset="0"/>
                 <a:cs typeface="Courier New" charset="0"/>
               </a:rPr>
-              <a:t> </a:t>
-            </a:r>
-            <a:r>
-              <a:rPr lang="en-US" sz="1400" dirty="0" smtClean="0">
-                <a:latin typeface="Courier New" charset="0"/>
-                <a:ea typeface="Courier New" charset="0"/>
-                <a:cs typeface="Courier New" charset="0"/>
-              </a:rPr>
-              <a:t>| </a:t>
+              <a:t> | </a:t>
             </a:r>
             <a:r>
               <a:rPr lang="en-US" sz="1400" dirty="0">
@@ -41163,7 +41099,7 @@
   <a:extraClrSchemeLst/>
   <a:extLst>
     <a:ext uri="{05A4C25C-085E-4340-85A3-A5531E510DB2}">
-      <thm15:themeFamily xmlns:thm15="http://schemas.microsoft.com/office/thememl/2012/main" name="SimpleOrangeLinePPT" id="{B850F300-3A6F-5E44-B2B2-B19B4711B10F}" vid="{8B58572D-2C56-6F41-98C0-684C2D82D463}"/>
+      <thm15:themeFamily xmlns:thm15="http://schemas.microsoft.com/office/thememl/2012/main" xmlns="" name="SimpleOrangeLinePPT" id="{B850F300-3A6F-5E44-B2B2-B19B4711B10F}" vid="{8B58572D-2C56-6F41-98C0-684C2D82D463}"/>
     </a:ext>
   </a:extLst>
 </a:theme>
